--- a/Slides/intro_roadmap.pptx
+++ b/Slides/intro_roadmap.pptx
@@ -208,7 +208,7 @@
           <a:p>
             <a:fld id="{FCCE3D1E-6578-0E47-AD7D-1CDD30E5FB95}" type="datetimeFigureOut">
               <a:rPr lang="en-US" smtClean="0"/>
-              <a:t>2/6/24</a:t>
+              <a:t>2/19/24</a:t>
             </a:fld>
             <a:endParaRPr lang="en-US"/>
           </a:p>
@@ -698,7 +698,7 @@
                 <a:ea typeface="Calibri" panose="020F0502020204030204" pitchFamily="34" charset="0"/>
                 <a:cs typeface="Times New Roman" panose="02020603050405020304" pitchFamily="18" charset="0"/>
               </a:rPr>
-              <a:t>Then, # you’ll play the game.</a:t>
+              <a:t>Then, # you’ll play the game.`</a:t>
             </a:r>
           </a:p>
           <a:p>
@@ -1003,7 +1003,7 @@
           <a:p>
             <a:fld id="{BC2E3EC0-9595-BC4D-A36A-A2829A077229}" type="datetimeFigureOut">
               <a:rPr lang="en-US" smtClean="0"/>
-              <a:t>2/6/24</a:t>
+              <a:t>2/19/24</a:t>
             </a:fld>
             <a:endParaRPr lang="en-US"/>
           </a:p>
@@ -1201,7 +1201,7 @@
           <a:p>
             <a:fld id="{BC2E3EC0-9595-BC4D-A36A-A2829A077229}" type="datetimeFigureOut">
               <a:rPr lang="en-US" smtClean="0"/>
-              <a:t>2/6/24</a:t>
+              <a:t>2/19/24</a:t>
             </a:fld>
             <a:endParaRPr lang="en-US"/>
           </a:p>
@@ -1409,7 +1409,7 @@
           <a:p>
             <a:fld id="{BC2E3EC0-9595-BC4D-A36A-A2829A077229}" type="datetimeFigureOut">
               <a:rPr lang="en-US" smtClean="0"/>
-              <a:t>2/6/24</a:t>
+              <a:t>2/19/24</a:t>
             </a:fld>
             <a:endParaRPr lang="en-US"/>
           </a:p>
@@ -1607,7 +1607,7 @@
           <a:p>
             <a:fld id="{BC2E3EC0-9595-BC4D-A36A-A2829A077229}" type="datetimeFigureOut">
               <a:rPr lang="en-US" smtClean="0"/>
-              <a:t>2/6/24</a:t>
+              <a:t>2/19/24</a:t>
             </a:fld>
             <a:endParaRPr lang="en-US"/>
           </a:p>
@@ -1882,7 +1882,7 @@
           <a:p>
             <a:fld id="{BC2E3EC0-9595-BC4D-A36A-A2829A077229}" type="datetimeFigureOut">
               <a:rPr lang="en-US" smtClean="0"/>
-              <a:t>2/6/24</a:t>
+              <a:t>2/19/24</a:t>
             </a:fld>
             <a:endParaRPr lang="en-US"/>
           </a:p>
@@ -2147,7 +2147,7 @@
           <a:p>
             <a:fld id="{BC2E3EC0-9595-BC4D-A36A-A2829A077229}" type="datetimeFigureOut">
               <a:rPr lang="en-US" smtClean="0"/>
-              <a:t>2/6/24</a:t>
+              <a:t>2/19/24</a:t>
             </a:fld>
             <a:endParaRPr lang="en-US"/>
           </a:p>
@@ -2559,7 +2559,7 @@
           <a:p>
             <a:fld id="{BC2E3EC0-9595-BC4D-A36A-A2829A077229}" type="datetimeFigureOut">
               <a:rPr lang="en-US" smtClean="0"/>
-              <a:t>2/6/24</a:t>
+              <a:t>2/19/24</a:t>
             </a:fld>
             <a:endParaRPr lang="en-US"/>
           </a:p>
@@ -2700,7 +2700,7 @@
           <a:p>
             <a:fld id="{BC2E3EC0-9595-BC4D-A36A-A2829A077229}" type="datetimeFigureOut">
               <a:rPr lang="en-US" smtClean="0"/>
-              <a:t>2/6/24</a:t>
+              <a:t>2/19/24</a:t>
             </a:fld>
             <a:endParaRPr lang="en-US"/>
           </a:p>
@@ -2813,7 +2813,7 @@
           <a:p>
             <a:fld id="{BC2E3EC0-9595-BC4D-A36A-A2829A077229}" type="datetimeFigureOut">
               <a:rPr lang="en-US" smtClean="0"/>
-              <a:t>2/6/24</a:t>
+              <a:t>2/19/24</a:t>
             </a:fld>
             <a:endParaRPr lang="en-US"/>
           </a:p>
@@ -3124,7 +3124,7 @@
           <a:p>
             <a:fld id="{BC2E3EC0-9595-BC4D-A36A-A2829A077229}" type="datetimeFigureOut">
               <a:rPr lang="en-US" smtClean="0"/>
-              <a:t>2/6/24</a:t>
+              <a:t>2/19/24</a:t>
             </a:fld>
             <a:endParaRPr lang="en-US"/>
           </a:p>
@@ -3412,7 +3412,7 @@
           <a:p>
             <a:fld id="{BC2E3EC0-9595-BC4D-A36A-A2829A077229}" type="datetimeFigureOut">
               <a:rPr lang="en-US" smtClean="0"/>
-              <a:t>2/6/24</a:t>
+              <a:t>2/19/24</a:t>
             </a:fld>
             <a:endParaRPr lang="en-US"/>
           </a:p>
@@ -3653,7 +3653,7 @@
           <a:p>
             <a:fld id="{BC2E3EC0-9595-BC4D-A36A-A2829A077229}" type="datetimeFigureOut">
               <a:rPr lang="en-US" smtClean="0"/>
-              <a:t>2/6/24</a:t>
+              <a:t>2/19/24</a:t>
             </a:fld>
             <a:endParaRPr lang="en-US"/>
           </a:p>
@@ -4085,7 +4085,7 @@
           <p:nvPr/>
         </p:nvPicPr>
         <p:blipFill>
-          <a:blip r:embed="rId4"/>
+          <a:blip r:embed="rId6"/>
           <a:stretch>
             <a:fillRect/>
           </a:stretch>
@@ -4276,10 +4276,10 @@
             <p:nvPr/>
           </p:nvPicPr>
           <p:blipFill>
-            <a:blip r:embed="rId5">
+            <a:blip r:embed="rId7">
               <a:extLst>
                 <a:ext uri="{96DAC541-7B7A-43D3-8B79-37D633B846F1}">
-                  <asvg:svgBlip xmlns:asvg="http://schemas.microsoft.com/office/drawing/2016/SVG/main" r:embed="rId6"/>
+                  <asvg:svgBlip xmlns:asvg="http://schemas.microsoft.com/office/drawing/2016/SVG/main" r:embed="rId8"/>
                 </a:ext>
               </a:extLst>
             </a:blip>
@@ -4384,10 +4384,10 @@
             <p:nvPr/>
           </p:nvPicPr>
           <p:blipFill>
-            <a:blip r:embed="rId5">
+            <a:blip r:embed="rId7">
               <a:extLst>
                 <a:ext uri="{96DAC541-7B7A-43D3-8B79-37D633B846F1}">
-                  <asvg:svgBlip xmlns:asvg="http://schemas.microsoft.com/office/drawing/2016/SVG/main" r:embed="rId7"/>
+                  <asvg:svgBlip xmlns:asvg="http://schemas.microsoft.com/office/drawing/2016/SVG/main" r:embed="rId9"/>
                 </a:ext>
               </a:extLst>
             </a:blip>
@@ -4492,10 +4492,10 @@
             <p:nvPr/>
           </p:nvPicPr>
           <p:blipFill>
-            <a:blip r:embed="rId5">
+            <a:blip r:embed="rId7">
               <a:extLst>
                 <a:ext uri="{96DAC541-7B7A-43D3-8B79-37D633B846F1}">
-                  <asvg:svgBlip xmlns:asvg="http://schemas.microsoft.com/office/drawing/2016/SVG/main" r:embed="rId7"/>
+                  <asvg:svgBlip xmlns:asvg="http://schemas.microsoft.com/office/drawing/2016/SVG/main" r:embed="rId9"/>
                 </a:ext>
               </a:extLst>
             </a:blip>
@@ -4600,10 +4600,10 @@
             <p:nvPr/>
           </p:nvPicPr>
           <p:blipFill>
-            <a:blip r:embed="rId5">
+            <a:blip r:embed="rId7">
               <a:extLst>
                 <a:ext uri="{96DAC541-7B7A-43D3-8B79-37D633B846F1}">
-                  <asvg:svgBlip xmlns:asvg="http://schemas.microsoft.com/office/drawing/2016/SVG/main" r:embed="rId7"/>
+                  <asvg:svgBlip xmlns:asvg="http://schemas.microsoft.com/office/drawing/2016/SVG/main" r:embed="rId9"/>
                 </a:ext>
               </a:extLst>
             </a:blip>
@@ -4708,10 +4708,10 @@
             <p:nvPr/>
           </p:nvPicPr>
           <p:blipFill>
-            <a:blip r:embed="rId5">
+            <a:blip r:embed="rId7">
               <a:extLst>
                 <a:ext uri="{96DAC541-7B7A-43D3-8B79-37D633B846F1}">
-                  <asvg:svgBlip xmlns:asvg="http://schemas.microsoft.com/office/drawing/2016/SVG/main" r:embed="rId7"/>
+                  <asvg:svgBlip xmlns:asvg="http://schemas.microsoft.com/office/drawing/2016/SVG/main" r:embed="rId9"/>
                 </a:ext>
               </a:extLst>
             </a:blip>
@@ -4788,6 +4788,43 @@
           </p:txBody>
         </p:sp>
       </p:grpSp>
+      <p:pic>
+        <p:nvPicPr>
+          <p:cNvPr id="64" name="Audio 63">
+            <a:extLst>
+              <a:ext uri="{FF2B5EF4-FFF2-40B4-BE49-F238E27FC236}">
+                <a16:creationId xmlns:a16="http://schemas.microsoft.com/office/drawing/2014/main" id="{5CD240B3-6EEF-2FB4-8397-20BEBFE350B9}"/>
+              </a:ext>
+            </a:extLst>
+          </p:cNvPr>
+          <p:cNvPicPr>
+            <a:picLocks noChangeAspect="1"/>
+          </p:cNvPicPr>
+          <p:nvPr>
+            <a:audioFile r:link="rId3"/>
+            <p:extLst>
+              <p:ext uri="{DAA4B4D4-6D71-4841-9C94-3DE7FCFB9230}">
+                <p14:media xmlns:p14="http://schemas.microsoft.com/office/powerpoint/2010/main" r:embed="rId2"/>
+              </p:ext>
+            </p:extLst>
+          </p:nvPr>
+        </p:nvPicPr>
+        <p:blipFill>
+          <a:blip r:embed="rId10"/>
+          <a:stretch>
+            <a:fillRect/>
+          </a:stretch>
+        </p:blipFill>
+        <p:spPr>
+          <a:xfrm>
+            <a:off x="11226800" y="5892800"/>
+            <a:ext cx="812800" cy="812800"/>
+          </a:xfrm>
+          <a:prstGeom prst="rect">
+            <a:avLst/>
+          </a:prstGeom>
+        </p:spPr>
+      </p:pic>
     </p:spTree>
     <p:custDataLst>
       <p:tags r:id="rId1"/>
@@ -4801,6 +4838,14 @@
   <p:clrMapOvr>
     <a:masterClrMapping/>
   </p:clrMapOvr>
+  <mc:AlternateContent xmlns:mc="http://schemas.openxmlformats.org/markup-compatibility/2006">
+    <mc:Choice xmlns:p14="http://schemas.microsoft.com/office/powerpoint/2010/main" Requires="p14">
+      <p:transition spd="slow" p14:dur="2000" advTm="33472"/>
+    </mc:Choice>
+    <mc:Fallback>
+      <p:transition spd="slow" advTm="33472"/>
+    </mc:Fallback>
+  </mc:AlternateContent>
   <p:timing>
     <p:tnLst>
       <p:par>
@@ -4813,6 +4858,9 @@
                     <p:cTn id="3" fill="hold">
                       <p:stCondLst>
                         <p:cond delay="indefinite"/>
+                        <p:cond evt="onBegin" delay="0">
+                          <p:tn val="2"/>
+                        </p:cond>
                       </p:stCondLst>
                       <p:childTnLst>
                         <p:par>
@@ -4822,14 +4870,49 @@
                             </p:stCondLst>
                             <p:childTnLst>
                               <p:par>
-                                <p:cTn id="5" presetID="1" presetClass="entr" presetSubtype="0" fill="hold" nodeType="clickEffect">
+                                <p:cTn id="5" presetID="1" presetClass="mediacall" presetSubtype="0" fill="hold" nodeType="afterEffect">
+                                  <p:stCondLst>
+                                    <p:cond delay="0"/>
+                                  </p:stCondLst>
+                                  <p:childTnLst>
+                                    <p:cmd type="call" cmd="playFrom(0.0)">
+                                      <p:cBhvr>
+                                        <p:cTn id="6" dur="1" fill="hold"/>
+                                        <p:tgtEl>
+                                          <p:spTgt spid="64"/>
+                                        </p:tgtEl>
+                                      </p:cBhvr>
+                                    </p:cmd>
+                                  </p:childTnLst>
+                                </p:cTn>
+                              </p:par>
+                            </p:childTnLst>
+                          </p:cTn>
+                        </p:par>
+                      </p:childTnLst>
+                    </p:cTn>
+                  </p:par>
+                  <p:par>
+                    <p:cTn id="7" fill="hold">
+                      <p:stCondLst>
+                        <p:cond delay="indefinite"/>
+                      </p:stCondLst>
+                      <p:childTnLst>
+                        <p:par>
+                          <p:cTn id="8" fill="hold">
+                            <p:stCondLst>
+                              <p:cond delay="0"/>
+                            </p:stCondLst>
+                            <p:childTnLst>
+                              <p:par>
+                                <p:cTn id="9" presetID="1" presetClass="entr" presetSubtype="0" fill="hold" nodeType="clickEffect">
                                   <p:stCondLst>
                                     <p:cond delay="0"/>
                                   </p:stCondLst>
                                   <p:childTnLst>
                                     <p:set>
                                       <p:cBhvr>
-                                        <p:cTn id="6" dur="1" fill="hold">
+                                        <p:cTn id="10" dur="1" fill="hold">
                                           <p:stCondLst>
                                             <p:cond delay="0"/>
                                           </p:stCondLst>
@@ -4849,14 +4932,14 @@
                                 </p:cTn>
                               </p:par>
                               <p:par>
-                                <p:cTn id="7" presetID="26" presetClass="emph" presetSubtype="0" fill="hold" nodeType="withEffect">
+                                <p:cTn id="11" presetID="26" presetClass="emph" presetSubtype="0" fill="hold" nodeType="withEffect">
                                   <p:stCondLst>
                                     <p:cond delay="0"/>
                                   </p:stCondLst>
                                   <p:childTnLst>
                                     <p:animEffect transition="out" filter="fade">
                                       <p:cBhvr>
-                                        <p:cTn id="8" dur="1000" tmFilter="0, 0; .2, .5; .8, .5; 1, 0"/>
+                                        <p:cTn id="12" dur="1000" tmFilter="0, 0; .2, .5; .8, .5; 1, 0"/>
                                         <p:tgtEl>
                                           <p:spTgt spid="10"/>
                                         </p:tgtEl>
@@ -4864,7 +4947,7 @@
                                     </p:animEffect>
                                     <p:animScale>
                                       <p:cBhvr>
-                                        <p:cTn id="9" dur="500" autoRev="1" fill="hold"/>
+                                        <p:cTn id="13" dur="500" autoRev="1" fill="hold"/>
                                         <p:tgtEl>
                                           <p:spTgt spid="10"/>
                                         </p:tgtEl>
@@ -4881,26 +4964,26 @@
                     </p:cTn>
                   </p:par>
                   <p:par>
-                    <p:cTn id="10" fill="hold">
+                    <p:cTn id="14" fill="hold">
                       <p:stCondLst>
                         <p:cond delay="indefinite"/>
                       </p:stCondLst>
                       <p:childTnLst>
                         <p:par>
-                          <p:cTn id="11" fill="hold">
+                          <p:cTn id="15" fill="hold">
                             <p:stCondLst>
                               <p:cond delay="0"/>
                             </p:stCondLst>
                             <p:childTnLst>
                               <p:par>
-                                <p:cTn id="12" presetID="1" presetClass="entr" presetSubtype="0" fill="hold" nodeType="clickEffect">
+                                <p:cTn id="16" presetID="1" presetClass="entr" presetSubtype="0" fill="hold" nodeType="clickEffect">
                                   <p:stCondLst>
                                     <p:cond delay="0"/>
                                   </p:stCondLst>
                                   <p:childTnLst>
                                     <p:set>
                                       <p:cBhvr>
-                                        <p:cTn id="13" dur="1" fill="hold">
+                                        <p:cTn id="17" dur="1" fill="hold">
                                           <p:stCondLst>
                                             <p:cond delay="0"/>
                                           </p:stCondLst>
@@ -4920,14 +5003,14 @@
                                 </p:cTn>
                               </p:par>
                               <p:par>
-                                <p:cTn id="14" presetID="1" presetClass="entr" presetSubtype="0" fill="hold" nodeType="withEffect">
+                                <p:cTn id="18" presetID="1" presetClass="entr" presetSubtype="0" fill="hold" nodeType="withEffect">
                                   <p:stCondLst>
                                     <p:cond delay="0"/>
                                   </p:stCondLst>
                                   <p:childTnLst>
                                     <p:set>
                                       <p:cBhvr>
-                                        <p:cTn id="15" dur="1" fill="hold">
+                                        <p:cTn id="19" dur="1" fill="hold">
                                           <p:stCondLst>
                                             <p:cond delay="0"/>
                                           </p:stCondLst>
@@ -4947,14 +5030,14 @@
                                 </p:cTn>
                               </p:par>
                               <p:par>
-                                <p:cTn id="16" presetID="1" presetClass="entr" presetSubtype="0" fill="hold" nodeType="withEffect">
+                                <p:cTn id="20" presetID="1" presetClass="entr" presetSubtype="0" fill="hold" nodeType="withEffect">
                                   <p:stCondLst>
                                     <p:cond delay="0"/>
                                   </p:stCondLst>
                                   <p:childTnLst>
                                     <p:set>
                                       <p:cBhvr>
-                                        <p:cTn id="17" dur="1" fill="hold">
+                                        <p:cTn id="21" dur="1" fill="hold">
                                           <p:stCondLst>
                                             <p:cond delay="0"/>
                                           </p:stCondLst>
@@ -4974,14 +5057,14 @@
                                 </p:cTn>
                               </p:par>
                               <p:par>
-                                <p:cTn id="18" presetID="26" presetClass="emph" presetSubtype="0" fill="hold" nodeType="withEffect">
+                                <p:cTn id="22" presetID="26" presetClass="emph" presetSubtype="0" fill="hold" nodeType="withEffect">
                                   <p:stCondLst>
                                     <p:cond delay="0"/>
                                   </p:stCondLst>
                                   <p:childTnLst>
                                     <p:animEffect transition="out" filter="fade">
                                       <p:cBhvr>
-                                        <p:cTn id="19" dur="1000" tmFilter="0, 0; .2, .5; .8, .5; 1, 0"/>
+                                        <p:cTn id="23" dur="1000" tmFilter="0, 0; .2, .5; .8, .5; 1, 0"/>
                                         <p:tgtEl>
                                           <p:spTgt spid="13"/>
                                         </p:tgtEl>
@@ -4989,7 +5072,7 @@
                                     </p:animEffect>
                                     <p:animScale>
                                       <p:cBhvr>
-                                        <p:cTn id="20" dur="500" autoRev="1" fill="hold"/>
+                                        <p:cTn id="24" dur="500" autoRev="1" fill="hold"/>
                                         <p:tgtEl>
                                           <p:spTgt spid="13"/>
                                         </p:tgtEl>
@@ -5000,14 +5083,14 @@
                                 </p:cTn>
                               </p:par>
                               <p:par>
-                                <p:cTn id="21" presetID="26" presetClass="emph" presetSubtype="0" fill="hold" nodeType="withEffect">
+                                <p:cTn id="25" presetID="26" presetClass="emph" presetSubtype="0" fill="hold" nodeType="withEffect">
                                   <p:stCondLst>
                                     <p:cond delay="0"/>
                                   </p:stCondLst>
                                   <p:childTnLst>
                                     <p:animEffect transition="out" filter="fade">
                                       <p:cBhvr>
-                                        <p:cTn id="22" dur="1000" tmFilter="0, 0; .2, .5; .8, .5; 1, 0"/>
+                                        <p:cTn id="26" dur="1000" tmFilter="0, 0; .2, .5; .8, .5; 1, 0"/>
                                         <p:tgtEl>
                                           <p:spTgt spid="16"/>
                                         </p:tgtEl>
@@ -5015,7 +5098,7 @@
                                     </p:animEffect>
                                     <p:animScale>
                                       <p:cBhvr>
-                                        <p:cTn id="23" dur="500" autoRev="1" fill="hold"/>
+                                        <p:cTn id="27" dur="500" autoRev="1" fill="hold"/>
                                         <p:tgtEl>
                                           <p:spTgt spid="16"/>
                                         </p:tgtEl>
@@ -5026,14 +5109,14 @@
                                 </p:cTn>
                               </p:par>
                               <p:par>
-                                <p:cTn id="24" presetID="26" presetClass="emph" presetSubtype="0" fill="hold" nodeType="withEffect">
+                                <p:cTn id="28" presetID="26" presetClass="emph" presetSubtype="0" fill="hold" nodeType="withEffect">
                                   <p:stCondLst>
                                     <p:cond delay="0"/>
                                   </p:stCondLst>
                                   <p:childTnLst>
                                     <p:animEffect transition="out" filter="fade">
                                       <p:cBhvr>
-                                        <p:cTn id="25" dur="1000" tmFilter="0, 0; .2, .5; .8, .5; 1, 0"/>
+                                        <p:cTn id="29" dur="1000" tmFilter="0, 0; .2, .5; .8, .5; 1, 0"/>
                                         <p:tgtEl>
                                           <p:spTgt spid="22"/>
                                         </p:tgtEl>
@@ -5041,7 +5124,7 @@
                                     </p:animEffect>
                                     <p:animScale>
                                       <p:cBhvr>
-                                        <p:cTn id="26" dur="500" autoRev="1" fill="hold"/>
+                                        <p:cTn id="30" dur="500" autoRev="1" fill="hold"/>
                                         <p:tgtEl>
                                           <p:spTgt spid="22"/>
                                         </p:tgtEl>
@@ -5058,26 +5141,26 @@
                     </p:cTn>
                   </p:par>
                   <p:par>
-                    <p:cTn id="27" fill="hold">
+                    <p:cTn id="31" fill="hold">
                       <p:stCondLst>
                         <p:cond delay="indefinite"/>
                       </p:stCondLst>
                       <p:childTnLst>
                         <p:par>
-                          <p:cTn id="28" fill="hold">
+                          <p:cTn id="32" fill="hold">
                             <p:stCondLst>
                               <p:cond delay="0"/>
                             </p:stCondLst>
                             <p:childTnLst>
                               <p:par>
-                                <p:cTn id="29" presetID="1" presetClass="entr" presetSubtype="0" fill="hold" nodeType="clickEffect">
+                                <p:cTn id="33" presetID="1" presetClass="entr" presetSubtype="0" fill="hold" nodeType="clickEffect">
                                   <p:stCondLst>
                                     <p:cond delay="0"/>
                                   </p:stCondLst>
                                   <p:childTnLst>
                                     <p:set>
                                       <p:cBhvr>
-                                        <p:cTn id="30" dur="1" fill="hold">
+                                        <p:cTn id="34" dur="1" fill="hold">
                                           <p:stCondLst>
                                             <p:cond delay="0"/>
                                           </p:stCondLst>
@@ -5097,14 +5180,14 @@
                                 </p:cTn>
                               </p:par>
                               <p:par>
-                                <p:cTn id="31" presetID="26" presetClass="emph" presetSubtype="0" fill="hold" nodeType="withEffect">
+                                <p:cTn id="35" presetID="26" presetClass="emph" presetSubtype="0" fill="hold" nodeType="withEffect">
                                   <p:stCondLst>
                                     <p:cond delay="0"/>
                                   </p:stCondLst>
                                   <p:childTnLst>
                                     <p:animEffect transition="out" filter="fade">
                                       <p:cBhvr>
-                                        <p:cTn id="32" dur="1000" tmFilter="0, 0; .2, .5; .8, .5; 1, 0"/>
+                                        <p:cTn id="36" dur="1000" tmFilter="0, 0; .2, .5; .8, .5; 1, 0"/>
                                         <p:tgtEl>
                                           <p:spTgt spid="19"/>
                                         </p:tgtEl>
@@ -5112,7 +5195,7 @@
                                     </p:animEffect>
                                     <p:animScale>
                                       <p:cBhvr>
-                                        <p:cTn id="33" dur="500" autoRev="1" fill="hold"/>
+                                        <p:cTn id="37" dur="500" autoRev="1" fill="hold"/>
                                         <p:tgtEl>
                                           <p:spTgt spid="19"/>
                                         </p:tgtEl>
@@ -5145,6 +5228,25 @@
                 </p:cond>
               </p:nextCondLst>
             </p:seq>
+            <p:audio isNarration="1">
+              <p:cMediaNode vol="80000" showWhenStopped="0">
+                <p:cTn id="38" fill="hold" display="0">
+                  <p:stCondLst>
+                    <p:cond delay="indefinite"/>
+                  </p:stCondLst>
+                  <p:endCondLst>
+                    <p:cond evt="onStopAudio" delay="0">
+                      <p:tgtEl>
+                        <p:sldTgt/>
+                      </p:tgtEl>
+                    </p:cond>
+                  </p:endCondLst>
+                </p:cTn>
+                <p:tgtEl>
+                  <p:spTgt spid="64"/>
+                </p:tgtEl>
+              </p:cMediaNode>
+            </p:audio>
           </p:childTnLst>
         </p:cTn>
       </p:par>
@@ -5155,7 +5257,7 @@
 
 <file path=ppt/tags/tag1.xml><?xml version="1.0" encoding="utf-8"?>
 <p:tagLst xmlns:a="http://schemas.openxmlformats.org/drawingml/2006/main" xmlns:r="http://schemas.openxmlformats.org/officeDocument/2006/relationships" xmlns:p="http://schemas.openxmlformats.org/presentationml/2006/main">
-  <p:tag name="TIMING" val="|13.9|4.4|6.5"/>
+  <p:tag name="TIMING" val="|13.3|4|6"/>
 </p:tagLst>
 </file>
 

--- a/Slides/intro_roadmap.pptx
+++ b/Slides/intro_roadmap.pptx
@@ -5,10 +5,11 @@
     <p:sldMasterId id="2147483648" r:id="rId1"/>
   </p:sldMasterIdLst>
   <p:notesMasterIdLst>
-    <p:notesMasterId r:id="rId3"/>
+    <p:notesMasterId r:id="rId4"/>
   </p:notesMasterIdLst>
   <p:sldIdLst>
-    <p:sldId id="256" r:id="rId2"/>
+    <p:sldId id="257" r:id="rId2"/>
+    <p:sldId id="256" r:id="rId3"/>
   </p:sldIdLst>
   <p:sldSz cx="12192000" cy="6858000"/>
   <p:notesSz cx="6858000" cy="9144000"/>
@@ -208,7 +209,7 @@
           <a:p>
             <a:fld id="{FCCE3D1E-6578-0E47-AD7D-1CDD30E5FB95}" type="datetimeFigureOut">
               <a:rPr lang="en-US" smtClean="0"/>
-              <a:t>2/19/24</a:t>
+              <a:t>3/7/24</a:t>
             </a:fld>
             <a:endParaRPr lang="en-US"/>
           </a:p>
@@ -736,7 +737,7 @@
                 <a:ea typeface="Calibri" panose="020F0502020204030204" pitchFamily="34" charset="0"/>
                 <a:cs typeface="Times New Roman" panose="02020603050405020304" pitchFamily="18" charset="0"/>
               </a:rPr>
-              <a:t>The game has three parts. </a:t>
+              <a:t>The game has two parts. </a:t>
             </a:r>
           </a:p>
           <a:p>
@@ -837,7 +838,7 @@
           <a:p>
             <a:fld id="{14AC75BC-4C1B-8C41-A5FC-411BB3B792AB}" type="slidenum">
               <a:rPr lang="en-US" smtClean="0"/>
-              <a:t>1</a:t>
+              <a:t>2</a:t>
             </a:fld>
             <a:endParaRPr lang="en-US"/>
           </a:p>
@@ -1003,7 +1004,7 @@
           <a:p>
             <a:fld id="{BC2E3EC0-9595-BC4D-A36A-A2829A077229}" type="datetimeFigureOut">
               <a:rPr lang="en-US" smtClean="0"/>
-              <a:t>2/19/24</a:t>
+              <a:t>3/7/24</a:t>
             </a:fld>
             <a:endParaRPr lang="en-US"/>
           </a:p>
@@ -1201,7 +1202,7 @@
           <a:p>
             <a:fld id="{BC2E3EC0-9595-BC4D-A36A-A2829A077229}" type="datetimeFigureOut">
               <a:rPr lang="en-US" smtClean="0"/>
-              <a:t>2/19/24</a:t>
+              <a:t>3/7/24</a:t>
             </a:fld>
             <a:endParaRPr lang="en-US"/>
           </a:p>
@@ -1409,7 +1410,7 @@
           <a:p>
             <a:fld id="{BC2E3EC0-9595-BC4D-A36A-A2829A077229}" type="datetimeFigureOut">
               <a:rPr lang="en-US" smtClean="0"/>
-              <a:t>2/19/24</a:t>
+              <a:t>3/7/24</a:t>
             </a:fld>
             <a:endParaRPr lang="en-US"/>
           </a:p>
@@ -1607,7 +1608,7 @@
           <a:p>
             <a:fld id="{BC2E3EC0-9595-BC4D-A36A-A2829A077229}" type="datetimeFigureOut">
               <a:rPr lang="en-US" smtClean="0"/>
-              <a:t>2/19/24</a:t>
+              <a:t>3/7/24</a:t>
             </a:fld>
             <a:endParaRPr lang="en-US"/>
           </a:p>
@@ -1882,7 +1883,7 @@
           <a:p>
             <a:fld id="{BC2E3EC0-9595-BC4D-A36A-A2829A077229}" type="datetimeFigureOut">
               <a:rPr lang="en-US" smtClean="0"/>
-              <a:t>2/19/24</a:t>
+              <a:t>3/7/24</a:t>
             </a:fld>
             <a:endParaRPr lang="en-US"/>
           </a:p>
@@ -2147,7 +2148,7 @@
           <a:p>
             <a:fld id="{BC2E3EC0-9595-BC4D-A36A-A2829A077229}" type="datetimeFigureOut">
               <a:rPr lang="en-US" smtClean="0"/>
-              <a:t>2/19/24</a:t>
+              <a:t>3/7/24</a:t>
             </a:fld>
             <a:endParaRPr lang="en-US"/>
           </a:p>
@@ -2559,7 +2560,7 @@
           <a:p>
             <a:fld id="{BC2E3EC0-9595-BC4D-A36A-A2829A077229}" type="datetimeFigureOut">
               <a:rPr lang="en-US" smtClean="0"/>
-              <a:t>2/19/24</a:t>
+              <a:t>3/7/24</a:t>
             </a:fld>
             <a:endParaRPr lang="en-US"/>
           </a:p>
@@ -2700,7 +2701,7 @@
           <a:p>
             <a:fld id="{BC2E3EC0-9595-BC4D-A36A-A2829A077229}" type="datetimeFigureOut">
               <a:rPr lang="en-US" smtClean="0"/>
-              <a:t>2/19/24</a:t>
+              <a:t>3/7/24</a:t>
             </a:fld>
             <a:endParaRPr lang="en-US"/>
           </a:p>
@@ -2813,7 +2814,7 @@
           <a:p>
             <a:fld id="{BC2E3EC0-9595-BC4D-A36A-A2829A077229}" type="datetimeFigureOut">
               <a:rPr lang="en-US" smtClean="0"/>
-              <a:t>2/19/24</a:t>
+              <a:t>3/7/24</a:t>
             </a:fld>
             <a:endParaRPr lang="en-US"/>
           </a:p>
@@ -3124,7 +3125,7 @@
           <a:p>
             <a:fld id="{BC2E3EC0-9595-BC4D-A36A-A2829A077229}" type="datetimeFigureOut">
               <a:rPr lang="en-US" smtClean="0"/>
-              <a:t>2/19/24</a:t>
+              <a:t>3/7/24</a:t>
             </a:fld>
             <a:endParaRPr lang="en-US"/>
           </a:p>
@@ -3412,7 +3413,7 @@
           <a:p>
             <a:fld id="{BC2E3EC0-9595-BC4D-A36A-A2829A077229}" type="datetimeFigureOut">
               <a:rPr lang="en-US" smtClean="0"/>
-              <a:t>2/19/24</a:t>
+              <a:t>3/7/24</a:t>
             </a:fld>
             <a:endParaRPr lang="en-US"/>
           </a:p>
@@ -3653,7 +3654,7 @@
           <a:p>
             <a:fld id="{BC2E3EC0-9595-BC4D-A36A-A2829A077229}" type="datetimeFigureOut">
               <a:rPr lang="en-US" smtClean="0"/>
-              <a:t>2/19/24</a:t>
+              <a:t>3/7/24</a:t>
             </a:fld>
             <a:endParaRPr lang="en-US"/>
           </a:p>
@@ -4072,6 +4073,168 @@
       </p:grpSpPr>
       <p:pic>
         <p:nvPicPr>
+          <p:cNvPr id="11" name="Audio 10">
+            <a:extLst>
+              <a:ext uri="{FF2B5EF4-FFF2-40B4-BE49-F238E27FC236}">
+                <a16:creationId xmlns:a16="http://schemas.microsoft.com/office/drawing/2014/main" id="{3B6DF80B-5E02-91D7-88E1-168C165D70BD}"/>
+              </a:ext>
+            </a:extLst>
+          </p:cNvPr>
+          <p:cNvPicPr>
+            <a:picLocks noChangeAspect="1"/>
+          </p:cNvPicPr>
+          <p:nvPr>
+            <a:audioFile r:link="rId2"/>
+            <p:extLst>
+              <p:ext uri="{DAA4B4D4-6D71-4841-9C94-3DE7FCFB9230}">
+                <p14:media xmlns:p14="http://schemas.microsoft.com/office/powerpoint/2010/main" r:embed="rId1"/>
+              </p:ext>
+            </p:extLst>
+          </p:nvPr>
+        </p:nvPicPr>
+        <p:blipFill>
+          <a:blip r:embed="rId4"/>
+          <a:stretch>
+            <a:fillRect/>
+          </a:stretch>
+        </p:blipFill>
+        <p:spPr>
+          <a:xfrm>
+            <a:off x="11226800" y="5892800"/>
+            <a:ext cx="812800" cy="812800"/>
+          </a:xfrm>
+          <a:prstGeom prst="rect">
+            <a:avLst/>
+          </a:prstGeom>
+        </p:spPr>
+      </p:pic>
+    </p:spTree>
+    <p:extLst>
+      <p:ext uri="{BB962C8B-B14F-4D97-AF65-F5344CB8AC3E}">
+        <p14:creationId xmlns:p14="http://schemas.microsoft.com/office/powerpoint/2010/main" val="632655018"/>
+      </p:ext>
+    </p:extLst>
+  </p:cSld>
+  <p:clrMapOvr>
+    <a:masterClrMapping/>
+  </p:clrMapOvr>
+  <mc:AlternateContent xmlns:mc="http://schemas.openxmlformats.org/markup-compatibility/2006">
+    <mc:Choice xmlns:p14="http://schemas.microsoft.com/office/powerpoint/2010/main" Requires="p14">
+      <p:transition spd="slow" p14:dur="2000" advTm="725"/>
+    </mc:Choice>
+    <mc:Fallback>
+      <p:transition spd="slow" advTm="725"/>
+    </mc:Fallback>
+  </mc:AlternateContent>
+  <p:timing>
+    <p:tnLst>
+      <p:par>
+        <p:cTn id="1" dur="indefinite" restart="never" nodeType="tmRoot">
+          <p:childTnLst>
+            <p:seq concurrent="1" nextAc="seek">
+              <p:cTn id="2" dur="indefinite" nodeType="mainSeq">
+                <p:childTnLst>
+                  <p:par>
+                    <p:cTn id="3" fill="hold">
+                      <p:stCondLst>
+                        <p:cond delay="indefinite"/>
+                        <p:cond evt="onBegin" delay="0">
+                          <p:tn val="2"/>
+                        </p:cond>
+                      </p:stCondLst>
+                      <p:childTnLst>
+                        <p:par>
+                          <p:cTn id="4" fill="hold">
+                            <p:stCondLst>
+                              <p:cond delay="0"/>
+                            </p:stCondLst>
+                            <p:childTnLst>
+                              <p:par>
+                                <p:cTn id="5" presetID="1" presetClass="mediacall" presetSubtype="0" fill="hold" nodeType="afterEffect">
+                                  <p:stCondLst>
+                                    <p:cond delay="0"/>
+                                  </p:stCondLst>
+                                  <p:childTnLst>
+                                    <p:cmd type="call" cmd="playFrom(0.0)">
+                                      <p:cBhvr>
+                                        <p:cTn id="6" dur="1" fill="hold"/>
+                                        <p:tgtEl>
+                                          <p:spTgt spid="11"/>
+                                        </p:tgtEl>
+                                      </p:cBhvr>
+                                    </p:cmd>
+                                  </p:childTnLst>
+                                </p:cTn>
+                              </p:par>
+                            </p:childTnLst>
+                          </p:cTn>
+                        </p:par>
+                      </p:childTnLst>
+                    </p:cTn>
+                  </p:par>
+                </p:childTnLst>
+              </p:cTn>
+              <p:prevCondLst>
+                <p:cond evt="onPrev" delay="0">
+                  <p:tgtEl>
+                    <p:sldTgt/>
+                  </p:tgtEl>
+                </p:cond>
+              </p:prevCondLst>
+              <p:nextCondLst>
+                <p:cond evt="onNext" delay="0">
+                  <p:tgtEl>
+                    <p:sldTgt/>
+                  </p:tgtEl>
+                </p:cond>
+              </p:nextCondLst>
+            </p:seq>
+            <p:audio isNarration="1">
+              <p:cMediaNode vol="80000" showWhenStopped="0">
+                <p:cTn id="7" fill="hold" display="0">
+                  <p:stCondLst>
+                    <p:cond delay="indefinite"/>
+                  </p:stCondLst>
+                  <p:endCondLst>
+                    <p:cond evt="onStopAudio" delay="0">
+                      <p:tgtEl>
+                        <p:sldTgt/>
+                      </p:tgtEl>
+                    </p:cond>
+                  </p:endCondLst>
+                </p:cTn>
+                <p:tgtEl>
+                  <p:spTgt spid="11"/>
+                </p:tgtEl>
+              </p:cMediaNode>
+            </p:audio>
+          </p:childTnLst>
+        </p:cTn>
+      </p:par>
+    </p:tnLst>
+  </p:timing>
+</p:sld>
+</file>
+
+<file path=ppt/slides/slide2.xml><?xml version="1.0" encoding="utf-8"?>
+<p:sld xmlns:a="http://schemas.openxmlformats.org/drawingml/2006/main" xmlns:r="http://schemas.openxmlformats.org/officeDocument/2006/relationships" xmlns:p="http://schemas.openxmlformats.org/presentationml/2006/main">
+  <p:cSld>
+    <p:spTree>
+      <p:nvGrpSpPr>
+        <p:cNvPr id="1" name=""/>
+        <p:cNvGrpSpPr/>
+        <p:nvPr/>
+      </p:nvGrpSpPr>
+      <p:grpSpPr>
+        <a:xfrm>
+          <a:off x="0" y="0"/>
+          <a:ext cx="0" cy="0"/>
+          <a:chOff x="0" y="0"/>
+          <a:chExt cx="0" cy="0"/>
+        </a:xfrm>
+      </p:grpSpPr>
+      <p:pic>
+        <p:nvPicPr>
           <p:cNvPr id="6" name="Content Placeholder 11" descr="A picture containing icon&#10;&#10;Description automatically generated">
             <a:extLst>
               <a:ext uri="{FF2B5EF4-FFF2-40B4-BE49-F238E27FC236}">
@@ -4255,7 +4418,7 @@
         </p:nvGrpSpPr>
         <p:grpSpPr>
           <a:xfrm>
-            <a:off x="499870" y="1979934"/>
+            <a:off x="1011934" y="1797054"/>
             <a:ext cx="1473352" cy="1499802"/>
             <a:chOff x="1604276" y="1196162"/>
             <a:chExt cx="1473352" cy="1499802"/>
@@ -4363,7 +4526,7 @@
         </p:nvGrpSpPr>
         <p:grpSpPr>
           <a:xfrm>
-            <a:off x="2722038" y="1894901"/>
+            <a:off x="3910758" y="2169221"/>
             <a:ext cx="1371600" cy="1499802"/>
             <a:chOff x="3205619" y="1196162"/>
             <a:chExt cx="1371600" cy="1499802"/>
@@ -4459,10 +4622,10 @@
       </p:grpSp>
       <p:grpSp>
         <p:nvGrpSpPr>
-          <p:cNvPr id="16" name="Group 15">
-            <a:extLst>
-              <a:ext uri="{FF2B5EF4-FFF2-40B4-BE49-F238E27FC236}">
-                <a16:creationId xmlns:a16="http://schemas.microsoft.com/office/drawing/2014/main" id="{14BE5AA3-790A-24D8-3518-9DA038AC5FF6}"/>
+          <p:cNvPr id="19" name="Group 18">
+            <a:extLst>
+              <a:ext uri="{FF2B5EF4-FFF2-40B4-BE49-F238E27FC236}">
+                <a16:creationId xmlns:a16="http://schemas.microsoft.com/office/drawing/2014/main" id="{09362E8A-6A67-872C-7873-F30B30179901}"/>
               </a:ext>
             </a:extLst>
           </p:cNvPr>
@@ -4471,115 +4634,7 @@
         </p:nvGrpSpPr>
         <p:grpSpPr>
           <a:xfrm>
-            <a:off x="4620215" y="2352414"/>
-            <a:ext cx="1371600" cy="1499802"/>
-            <a:chOff x="4756089" y="1196162"/>
-            <a:chExt cx="1371600" cy="1499802"/>
-          </a:xfrm>
-        </p:grpSpPr>
-        <p:pic>
-          <p:nvPicPr>
-            <p:cNvPr id="17" name="Content Placeholder 9" descr="Trophy with solid fill">
-              <a:extLst>
-                <a:ext uri="{FF2B5EF4-FFF2-40B4-BE49-F238E27FC236}">
-                  <a16:creationId xmlns:a16="http://schemas.microsoft.com/office/drawing/2014/main" id="{9B1A59D9-EE69-FABA-11C7-766CA157F376}"/>
-                </a:ext>
-              </a:extLst>
-            </p:cNvPr>
-            <p:cNvPicPr>
-              <a:picLocks noChangeAspect="1"/>
-            </p:cNvPicPr>
-            <p:nvPr/>
-          </p:nvPicPr>
-          <p:blipFill>
-            <a:blip r:embed="rId7">
-              <a:extLst>
-                <a:ext uri="{96DAC541-7B7A-43D3-8B79-37D633B846F1}">
-                  <asvg:svgBlip xmlns:asvg="http://schemas.microsoft.com/office/drawing/2016/SVG/main" r:embed="rId9"/>
-                </a:ext>
-              </a:extLst>
-            </a:blip>
-            <a:stretch>
-              <a:fillRect/>
-            </a:stretch>
-          </p:blipFill>
-          <p:spPr>
-            <a:xfrm>
-              <a:off x="4984689" y="1781564"/>
-              <a:ext cx="914400" cy="914400"/>
-            </a:xfrm>
-            <a:prstGeom prst="rect">
-              <a:avLst/>
-            </a:prstGeom>
-          </p:spPr>
-        </p:pic>
-        <p:sp>
-          <p:nvSpPr>
-            <p:cNvPr id="18" name="TextBox 17">
-              <a:extLst>
-                <a:ext uri="{FF2B5EF4-FFF2-40B4-BE49-F238E27FC236}">
-                  <a16:creationId xmlns:a16="http://schemas.microsoft.com/office/drawing/2014/main" id="{7C639069-7BF4-5657-723E-DDBFF130455A}"/>
-                </a:ext>
-              </a:extLst>
-            </p:cNvPr>
-            <p:cNvSpPr txBox="1">
-              <a:spLocks/>
-            </p:cNvSpPr>
-            <p:nvPr/>
-          </p:nvSpPr>
-          <p:spPr>
-            <a:xfrm>
-              <a:off x="4756089" y="1196162"/>
-              <a:ext cx="1371600" cy="685800"/>
-            </a:xfrm>
-            <a:prstGeom prst="rect">
-              <a:avLst/>
-            </a:prstGeom>
-            <a:noFill/>
-          </p:spPr>
-          <p:txBody>
-            <a:bodyPr wrap="none" rtlCol="0">
-              <a:spAutoFit/>
-            </a:bodyPr>
-            <a:lstStyle/>
-            <a:p>
-              <a:pPr algn="ctr"/>
-              <a:r>
-                <a:rPr lang="en-US" dirty="0">
-                  <a:latin typeface="Calibri" panose="020F0502020204030204" pitchFamily="34" charset="0"/>
-                  <a:cs typeface="Calibri" panose="020F0502020204030204" pitchFamily="34" charset="0"/>
-                </a:rPr>
-                <a:t>Game</a:t>
-              </a:r>
-            </a:p>
-            <a:p>
-              <a:pPr algn="ctr"/>
-              <a:r>
-                <a:rPr lang="en-US" dirty="0">
-                  <a:latin typeface="Calibri" panose="020F0502020204030204" pitchFamily="34" charset="0"/>
-                  <a:cs typeface="Calibri" panose="020F0502020204030204" pitchFamily="34" charset="0"/>
-                </a:rPr>
-                <a:t>Part 2</a:t>
-              </a:r>
-            </a:p>
-          </p:txBody>
-        </p:sp>
-      </p:grpSp>
-      <p:grpSp>
-        <p:nvGrpSpPr>
-          <p:cNvPr id="19" name="Group 18">
-            <a:extLst>
-              <a:ext uri="{FF2B5EF4-FFF2-40B4-BE49-F238E27FC236}">
-                <a16:creationId xmlns:a16="http://schemas.microsoft.com/office/drawing/2014/main" id="{09362E8A-6A67-872C-7873-F30B30179901}"/>
-              </a:ext>
-            </a:extLst>
-          </p:cNvPr>
-          <p:cNvGrpSpPr/>
-          <p:nvPr/>
-        </p:nvGrpSpPr>
-        <p:grpSpPr>
-          <a:xfrm>
-            <a:off x="7520593" y="360860"/>
+            <a:off x="7758337" y="360860"/>
             <a:ext cx="1371600" cy="1499802"/>
             <a:chOff x="8116265" y="1196162"/>
             <a:chExt cx="1371600" cy="1499802"/>
@@ -4687,10 +4742,10 @@
         </p:nvGrpSpPr>
         <p:grpSpPr>
           <a:xfrm>
-            <a:off x="6148993" y="1830800"/>
-            <a:ext cx="1371600" cy="1499802"/>
-            <a:chOff x="6527257" y="1196162"/>
-            <a:chExt cx="1371600" cy="1499802"/>
+            <a:off x="6377593" y="1830800"/>
+            <a:ext cx="914400" cy="1499802"/>
+            <a:chOff x="6755857" y="1196162"/>
+            <a:chExt cx="914400" cy="1499802"/>
           </a:xfrm>
         </p:grpSpPr>
         <p:pic>
@@ -4745,8 +4800,8 @@
           </p:nvSpPr>
           <p:spPr>
             <a:xfrm>
-              <a:off x="6527257" y="1196162"/>
-              <a:ext cx="1371600" cy="685800"/>
+              <a:off x="6842603" y="1196162"/>
+              <a:ext cx="740908" cy="923330"/>
             </a:xfrm>
             <a:prstGeom prst="rect">
               <a:avLst/>
@@ -4775,7 +4830,7 @@
                   <a:latin typeface="Calibri" panose="020F0502020204030204" pitchFamily="34" charset="0"/>
                   <a:cs typeface="Calibri" panose="020F0502020204030204" pitchFamily="34" charset="0"/>
                 </a:rPr>
-                <a:t>Part 3</a:t>
+                <a:t>Part 2</a:t>
               </a:r>
             </a:p>
             <a:p>
@@ -4790,10 +4845,10 @@
       </p:grpSp>
       <p:pic>
         <p:nvPicPr>
-          <p:cNvPr id="64" name="Audio 63">
-            <a:extLst>
-              <a:ext uri="{FF2B5EF4-FFF2-40B4-BE49-F238E27FC236}">
-                <a16:creationId xmlns:a16="http://schemas.microsoft.com/office/drawing/2014/main" id="{5CD240B3-6EEF-2FB4-8397-20BEBFE350B9}"/>
+          <p:cNvPr id="31" name="Audio 30">
+            <a:extLst>
+              <a:ext uri="{FF2B5EF4-FFF2-40B4-BE49-F238E27FC236}">
+                <a16:creationId xmlns:a16="http://schemas.microsoft.com/office/drawing/2014/main" id="{D3CE823C-70EE-8226-7D4F-DB13EB93512A}"/>
               </a:ext>
             </a:extLst>
           </p:cNvPr>
@@ -4840,10 +4895,10 @@
   </p:clrMapOvr>
   <mc:AlternateContent xmlns:mc="http://schemas.openxmlformats.org/markup-compatibility/2006">
     <mc:Choice xmlns:p14="http://schemas.microsoft.com/office/powerpoint/2010/main" Requires="p14">
-      <p:transition spd="slow" p14:dur="2000" advTm="33472"/>
+      <p:transition spd="slow" p14:dur="2000" advTm="32778"/>
     </mc:Choice>
     <mc:Fallback>
-      <p:transition spd="slow" advTm="33472"/>
+      <p:transition spd="slow" advTm="32778"/>
     </mc:Fallback>
   </mc:AlternateContent>
   <p:timing>
@@ -4879,7 +4934,7 @@
                                       <p:cBhvr>
                                         <p:cTn id="6" dur="1" fill="hold"/>
                                         <p:tgtEl>
-                                          <p:spTgt spid="64"/>
+                                          <p:spTgt spid="31"/>
                                         </p:tgtEl>
                                       </p:cBhvr>
                                     </p:cmd>
@@ -5016,33 +5071,6 @@
                                           </p:stCondLst>
                                         </p:cTn>
                                         <p:tgtEl>
-                                          <p:spTgt spid="16"/>
-                                        </p:tgtEl>
-                                        <p:attrNameLst>
-                                          <p:attrName>style.visibility</p:attrName>
-                                        </p:attrNameLst>
-                                      </p:cBhvr>
-                                      <p:to>
-                                        <p:strVal val="visible"/>
-                                      </p:to>
-                                    </p:set>
-                                  </p:childTnLst>
-                                </p:cTn>
-                              </p:par>
-                              <p:par>
-                                <p:cTn id="20" presetID="1" presetClass="entr" presetSubtype="0" fill="hold" nodeType="withEffect">
-                                  <p:stCondLst>
-                                    <p:cond delay="0"/>
-                                  </p:stCondLst>
-                                  <p:childTnLst>
-                                    <p:set>
-                                      <p:cBhvr>
-                                        <p:cTn id="21" dur="1" fill="hold">
-                                          <p:stCondLst>
-                                            <p:cond delay="0"/>
-                                          </p:stCondLst>
-                                        </p:cTn>
-                                        <p:tgtEl>
                                           <p:spTgt spid="22"/>
                                         </p:tgtEl>
                                         <p:attrNameLst>
@@ -5057,14 +5085,14 @@
                                 </p:cTn>
                               </p:par>
                               <p:par>
-                                <p:cTn id="22" presetID="26" presetClass="emph" presetSubtype="0" fill="hold" nodeType="withEffect">
+                                <p:cTn id="20" presetID="26" presetClass="emph" presetSubtype="0" fill="hold" nodeType="withEffect">
                                   <p:stCondLst>
                                     <p:cond delay="0"/>
                                   </p:stCondLst>
                                   <p:childTnLst>
                                     <p:animEffect transition="out" filter="fade">
                                       <p:cBhvr>
-                                        <p:cTn id="23" dur="1000" tmFilter="0, 0; .2, .5; .8, .5; 1, 0"/>
+                                        <p:cTn id="21" dur="1000" tmFilter="0, 0; .2, .5; .8, .5; 1, 0"/>
                                         <p:tgtEl>
                                           <p:spTgt spid="13"/>
                                         </p:tgtEl>
@@ -5072,7 +5100,7 @@
                                     </p:animEffect>
                                     <p:animScale>
                                       <p:cBhvr>
-                                        <p:cTn id="24" dur="500" autoRev="1" fill="hold"/>
+                                        <p:cTn id="22" dur="500" autoRev="1" fill="hold"/>
                                         <p:tgtEl>
                                           <p:spTgt spid="13"/>
                                         </p:tgtEl>
@@ -5083,40 +5111,14 @@
                                 </p:cTn>
                               </p:par>
                               <p:par>
-                                <p:cTn id="25" presetID="26" presetClass="emph" presetSubtype="0" fill="hold" nodeType="withEffect">
+                                <p:cTn id="23" presetID="26" presetClass="emph" presetSubtype="0" fill="hold" nodeType="withEffect">
                                   <p:stCondLst>
                                     <p:cond delay="0"/>
                                   </p:stCondLst>
                                   <p:childTnLst>
                                     <p:animEffect transition="out" filter="fade">
                                       <p:cBhvr>
-                                        <p:cTn id="26" dur="1000" tmFilter="0, 0; .2, .5; .8, .5; 1, 0"/>
-                                        <p:tgtEl>
-                                          <p:spTgt spid="16"/>
-                                        </p:tgtEl>
-                                      </p:cBhvr>
-                                    </p:animEffect>
-                                    <p:animScale>
-                                      <p:cBhvr>
-                                        <p:cTn id="27" dur="500" autoRev="1" fill="hold"/>
-                                        <p:tgtEl>
-                                          <p:spTgt spid="16"/>
-                                        </p:tgtEl>
-                                      </p:cBhvr>
-                                      <p:by x="105000" y="105000"/>
-                                    </p:animScale>
-                                  </p:childTnLst>
-                                </p:cTn>
-                              </p:par>
-                              <p:par>
-                                <p:cTn id="28" presetID="26" presetClass="emph" presetSubtype="0" fill="hold" nodeType="withEffect">
-                                  <p:stCondLst>
-                                    <p:cond delay="0"/>
-                                  </p:stCondLst>
-                                  <p:childTnLst>
-                                    <p:animEffect transition="out" filter="fade">
-                                      <p:cBhvr>
-                                        <p:cTn id="29" dur="1000" tmFilter="0, 0; .2, .5; .8, .5; 1, 0"/>
+                                        <p:cTn id="24" dur="1000" tmFilter="0, 0; .2, .5; .8, .5; 1, 0"/>
                                         <p:tgtEl>
                                           <p:spTgt spid="22"/>
                                         </p:tgtEl>
@@ -5124,7 +5126,7 @@
                                     </p:animEffect>
                                     <p:animScale>
                                       <p:cBhvr>
-                                        <p:cTn id="30" dur="500" autoRev="1" fill="hold"/>
+                                        <p:cTn id="25" dur="500" autoRev="1" fill="hold"/>
                                         <p:tgtEl>
                                           <p:spTgt spid="22"/>
                                         </p:tgtEl>
@@ -5141,26 +5143,26 @@
                     </p:cTn>
                   </p:par>
                   <p:par>
-                    <p:cTn id="31" fill="hold">
+                    <p:cTn id="26" fill="hold">
                       <p:stCondLst>
                         <p:cond delay="indefinite"/>
                       </p:stCondLst>
                       <p:childTnLst>
                         <p:par>
-                          <p:cTn id="32" fill="hold">
+                          <p:cTn id="27" fill="hold">
                             <p:stCondLst>
                               <p:cond delay="0"/>
                             </p:stCondLst>
                             <p:childTnLst>
                               <p:par>
-                                <p:cTn id="33" presetID="1" presetClass="entr" presetSubtype="0" fill="hold" nodeType="clickEffect">
+                                <p:cTn id="28" presetID="1" presetClass="entr" presetSubtype="0" fill="hold" nodeType="clickEffect">
                                   <p:stCondLst>
                                     <p:cond delay="0"/>
                                   </p:stCondLst>
                                   <p:childTnLst>
                                     <p:set>
                                       <p:cBhvr>
-                                        <p:cTn id="34" dur="1" fill="hold">
+                                        <p:cTn id="29" dur="1" fill="hold">
                                           <p:stCondLst>
                                             <p:cond delay="0"/>
                                           </p:stCondLst>
@@ -5180,14 +5182,14 @@
                                 </p:cTn>
                               </p:par>
                               <p:par>
-                                <p:cTn id="35" presetID="26" presetClass="emph" presetSubtype="0" fill="hold" nodeType="withEffect">
+                                <p:cTn id="30" presetID="26" presetClass="emph" presetSubtype="0" fill="hold" nodeType="withEffect">
                                   <p:stCondLst>
                                     <p:cond delay="0"/>
                                   </p:stCondLst>
                                   <p:childTnLst>
                                     <p:animEffect transition="out" filter="fade">
                                       <p:cBhvr>
-                                        <p:cTn id="36" dur="1000" tmFilter="0, 0; .2, .5; .8, .5; 1, 0"/>
+                                        <p:cTn id="31" dur="1000" tmFilter="0, 0; .2, .5; .8, .5; 1, 0"/>
                                         <p:tgtEl>
                                           <p:spTgt spid="19"/>
                                         </p:tgtEl>
@@ -5195,7 +5197,7 @@
                                     </p:animEffect>
                                     <p:animScale>
                                       <p:cBhvr>
-                                        <p:cTn id="37" dur="500" autoRev="1" fill="hold"/>
+                                        <p:cTn id="32" dur="500" autoRev="1" fill="hold"/>
                                         <p:tgtEl>
                                           <p:spTgt spid="19"/>
                                         </p:tgtEl>
@@ -5230,7 +5232,7 @@
             </p:seq>
             <p:audio isNarration="1">
               <p:cMediaNode vol="80000" showWhenStopped="0">
-                <p:cTn id="38" fill="hold" display="0">
+                <p:cTn id="33" fill="hold" display="0">
                   <p:stCondLst>
                     <p:cond delay="indefinite"/>
                   </p:stCondLst>
@@ -5243,7 +5245,7 @@
                   </p:endCondLst>
                 </p:cTn>
                 <p:tgtEl>
-                  <p:spTgt spid="64"/>
+                  <p:spTgt spid="31"/>
                 </p:tgtEl>
               </p:cMediaNode>
             </p:audio>
@@ -5257,7 +5259,7 @@
 
 <file path=ppt/tags/tag1.xml><?xml version="1.0" encoding="utf-8"?>
 <p:tagLst xmlns:a="http://schemas.openxmlformats.org/drawingml/2006/main" xmlns:r="http://schemas.openxmlformats.org/officeDocument/2006/relationships" xmlns:p="http://schemas.openxmlformats.org/presentationml/2006/main">
-  <p:tag name="TIMING" val="|13.3|4|6"/>
+  <p:tag name="TIMING" val="|14.4|3.1|6.4"/>
 </p:tagLst>
 </file>
 

--- a/Slides/intro_roadmap.pptx
+++ b/Slides/intro_roadmap.pptx
@@ -209,7 +209,7 @@
           <a:p>
             <a:fld id="{FCCE3D1E-6578-0E47-AD7D-1CDD30E5FB95}" type="datetimeFigureOut">
               <a:rPr lang="en-US" smtClean="0"/>
-              <a:t>3/7/24</a:t>
+              <a:t>4/29/24</a:t>
             </a:fld>
             <a:endParaRPr lang="en-US"/>
           </a:p>
@@ -775,49 +775,23 @@
                 <a:ea typeface="Calibri" panose="020F0502020204030204" pitchFamily="34" charset="0"/>
                 <a:cs typeface="Times New Roman" panose="02020603050405020304" pitchFamily="18" charset="0"/>
               </a:rPr>
-              <a:t>Last, # we’ll ask you some questions about the game.</a:t>
-            </a:r>
-          </a:p>
-          <a:p>
-            <a:pPr marL="0" marR="0">
-              <a:spcBef>
-                <a:spcPts val="0"/>
-              </a:spcBef>
-              <a:spcAft>
-                <a:spcPts val="0"/>
-              </a:spcAft>
-            </a:pPr>
-            <a:r>
-              <a:rPr lang="en-US" sz="1800" kern="100" dirty="0">
+              <a:t>Last, # we’ll ask you some questions about the </a:t>
+            </a:r>
+            <a:r>
+              <a:rPr lang="en-US" sz="1800" kern="100">
                 <a:effectLst/>
                 <a:latin typeface="Calibri" panose="020F0502020204030204" pitchFamily="34" charset="0"/>
                 <a:ea typeface="Calibri" panose="020F0502020204030204" pitchFamily="34" charset="0"/>
                 <a:cs typeface="Times New Roman" panose="02020603050405020304" pitchFamily="18" charset="0"/>
               </a:rPr>
-              <a:t>  </a:t>
-            </a:r>
-          </a:p>
-          <a:p>
-            <a:pPr marL="0" marR="0">
-              <a:spcBef>
-                <a:spcPts val="0"/>
-              </a:spcBef>
-              <a:spcAft>
-                <a:spcPts val="0"/>
-              </a:spcAft>
-            </a:pPr>
-            <a:r>
-              <a:rPr lang="en-US" sz="1800" kern="100" dirty="0">
-                <a:effectLst/>
-                <a:latin typeface="Calibri" panose="020F0502020204030204" pitchFamily="34" charset="0"/>
-                <a:ea typeface="Calibri" panose="020F0502020204030204" pitchFamily="34" charset="0"/>
-                <a:cs typeface="Times New Roman" panose="02020603050405020304" pitchFamily="18" charset="0"/>
-              </a:rPr>
-              <a:t>When you’re ready to learn about the game, click the green next button. </a:t>
-            </a:r>
-          </a:p>
-          <a:p>
-            <a:endParaRPr lang="en-US" dirty="0"/>
+              <a:t>game.</a:t>
+            </a:r>
+            <a:endParaRPr lang="en-US" sz="1800" kern="100" dirty="0">
+              <a:effectLst/>
+              <a:latin typeface="Calibri" panose="020F0502020204030204" pitchFamily="34" charset="0"/>
+              <a:ea typeface="Calibri" panose="020F0502020204030204" pitchFamily="34" charset="0"/>
+              <a:cs typeface="Times New Roman" panose="02020603050405020304" pitchFamily="18" charset="0"/>
+            </a:endParaRPr>
           </a:p>
         </p:txBody>
       </p:sp>
@@ -1004,7 +978,7 @@
           <a:p>
             <a:fld id="{BC2E3EC0-9595-BC4D-A36A-A2829A077229}" type="datetimeFigureOut">
               <a:rPr lang="en-US" smtClean="0"/>
-              <a:t>3/7/24</a:t>
+              <a:t>4/29/24</a:t>
             </a:fld>
             <a:endParaRPr lang="en-US"/>
           </a:p>
@@ -1202,7 +1176,7 @@
           <a:p>
             <a:fld id="{BC2E3EC0-9595-BC4D-A36A-A2829A077229}" type="datetimeFigureOut">
               <a:rPr lang="en-US" smtClean="0"/>
-              <a:t>3/7/24</a:t>
+              <a:t>4/29/24</a:t>
             </a:fld>
             <a:endParaRPr lang="en-US"/>
           </a:p>
@@ -1410,7 +1384,7 @@
           <a:p>
             <a:fld id="{BC2E3EC0-9595-BC4D-A36A-A2829A077229}" type="datetimeFigureOut">
               <a:rPr lang="en-US" smtClean="0"/>
-              <a:t>3/7/24</a:t>
+              <a:t>4/29/24</a:t>
             </a:fld>
             <a:endParaRPr lang="en-US"/>
           </a:p>
@@ -1608,7 +1582,7 @@
           <a:p>
             <a:fld id="{BC2E3EC0-9595-BC4D-A36A-A2829A077229}" type="datetimeFigureOut">
               <a:rPr lang="en-US" smtClean="0"/>
-              <a:t>3/7/24</a:t>
+              <a:t>4/29/24</a:t>
             </a:fld>
             <a:endParaRPr lang="en-US"/>
           </a:p>
@@ -1883,7 +1857,7 @@
           <a:p>
             <a:fld id="{BC2E3EC0-9595-BC4D-A36A-A2829A077229}" type="datetimeFigureOut">
               <a:rPr lang="en-US" smtClean="0"/>
-              <a:t>3/7/24</a:t>
+              <a:t>4/29/24</a:t>
             </a:fld>
             <a:endParaRPr lang="en-US"/>
           </a:p>
@@ -2148,7 +2122,7 @@
           <a:p>
             <a:fld id="{BC2E3EC0-9595-BC4D-A36A-A2829A077229}" type="datetimeFigureOut">
               <a:rPr lang="en-US" smtClean="0"/>
-              <a:t>3/7/24</a:t>
+              <a:t>4/29/24</a:t>
             </a:fld>
             <a:endParaRPr lang="en-US"/>
           </a:p>
@@ -2560,7 +2534,7 @@
           <a:p>
             <a:fld id="{BC2E3EC0-9595-BC4D-A36A-A2829A077229}" type="datetimeFigureOut">
               <a:rPr lang="en-US" smtClean="0"/>
-              <a:t>3/7/24</a:t>
+              <a:t>4/29/24</a:t>
             </a:fld>
             <a:endParaRPr lang="en-US"/>
           </a:p>
@@ -2701,7 +2675,7 @@
           <a:p>
             <a:fld id="{BC2E3EC0-9595-BC4D-A36A-A2829A077229}" type="datetimeFigureOut">
               <a:rPr lang="en-US" smtClean="0"/>
-              <a:t>3/7/24</a:t>
+              <a:t>4/29/24</a:t>
             </a:fld>
             <a:endParaRPr lang="en-US"/>
           </a:p>
@@ -2814,7 +2788,7 @@
           <a:p>
             <a:fld id="{BC2E3EC0-9595-BC4D-A36A-A2829A077229}" type="datetimeFigureOut">
               <a:rPr lang="en-US" smtClean="0"/>
-              <a:t>3/7/24</a:t>
+              <a:t>4/29/24</a:t>
             </a:fld>
             <a:endParaRPr lang="en-US"/>
           </a:p>
@@ -3125,7 +3099,7 @@
           <a:p>
             <a:fld id="{BC2E3EC0-9595-BC4D-A36A-A2829A077229}" type="datetimeFigureOut">
               <a:rPr lang="en-US" smtClean="0"/>
-              <a:t>3/7/24</a:t>
+              <a:t>4/29/24</a:t>
             </a:fld>
             <a:endParaRPr lang="en-US"/>
           </a:p>
@@ -3413,7 +3387,7 @@
           <a:p>
             <a:fld id="{BC2E3EC0-9595-BC4D-A36A-A2829A077229}" type="datetimeFigureOut">
               <a:rPr lang="en-US" smtClean="0"/>
-              <a:t>3/7/24</a:t>
+              <a:t>4/29/24</a:t>
             </a:fld>
             <a:endParaRPr lang="en-US"/>
           </a:p>
@@ -3654,7 +3628,7 @@
           <a:p>
             <a:fld id="{BC2E3EC0-9595-BC4D-A36A-A2829A077229}" type="datetimeFigureOut">
               <a:rPr lang="en-US" smtClean="0"/>
-              <a:t>3/7/24</a:t>
+              <a:t>4/29/24</a:t>
             </a:fld>
             <a:endParaRPr lang="en-US"/>
           </a:p>
@@ -4118,11 +4092,11 @@
   <p:clrMapOvr>
     <a:masterClrMapping/>
   </p:clrMapOvr>
-  <mc:AlternateContent xmlns:mc="http://schemas.openxmlformats.org/markup-compatibility/2006">
-    <mc:Choice xmlns:p14="http://schemas.microsoft.com/office/powerpoint/2010/main" Requires="p14">
+  <mc:AlternateContent xmlns:mc="http://schemas.openxmlformats.org/markup-compatibility/2006" xmlns:p14="http://schemas.microsoft.com/office/powerpoint/2010/main">
+    <mc:Choice Requires="p14">
       <p:transition spd="slow" p14:dur="2000" advTm="725"/>
     </mc:Choice>
-    <mc:Fallback>
+    <mc:Fallback xmlns="">
       <p:transition spd="slow" advTm="725"/>
     </mc:Fallback>
   </mc:AlternateContent>
@@ -4893,11 +4867,11 @@
   <p:clrMapOvr>
     <a:masterClrMapping/>
   </p:clrMapOvr>
-  <mc:AlternateContent xmlns:mc="http://schemas.openxmlformats.org/markup-compatibility/2006">
-    <mc:Choice xmlns:p14="http://schemas.microsoft.com/office/powerpoint/2010/main" Requires="p14">
+  <mc:AlternateContent xmlns:mc="http://schemas.openxmlformats.org/markup-compatibility/2006" xmlns:p14="http://schemas.microsoft.com/office/powerpoint/2010/main">
+    <mc:Choice Requires="p14">
       <p:transition spd="slow" p14:dur="2000" advTm="32778"/>
     </mc:Choice>
-    <mc:Fallback>
+    <mc:Fallback xmlns="">
       <p:transition spd="slow" advTm="32778"/>
     </mc:Fallback>
   </mc:AlternateContent>

--- a/Slides/intro_roadmap.pptx
+++ b/Slides/intro_roadmap.pptx
@@ -5,11 +5,14 @@
     <p:sldMasterId id="2147483648" r:id="rId1"/>
   </p:sldMasterIdLst>
   <p:notesMasterIdLst>
-    <p:notesMasterId r:id="rId4"/>
+    <p:notesMasterId r:id="rId7"/>
   </p:notesMasterIdLst>
   <p:sldIdLst>
     <p:sldId id="257" r:id="rId2"/>
     <p:sldId id="256" r:id="rId3"/>
+    <p:sldId id="260" r:id="rId4"/>
+    <p:sldId id="259" r:id="rId5"/>
+    <p:sldId id="258" r:id="rId6"/>
   </p:sldIdLst>
   <p:sldSz cx="12192000" cy="6858000"/>
   <p:notesSz cx="6858000" cy="9144000"/>
@@ -209,7 +212,7 @@
           <a:p>
             <a:fld id="{FCCE3D1E-6578-0E47-AD7D-1CDD30E5FB95}" type="datetimeFigureOut">
               <a:rPr lang="en-US" smtClean="0"/>
-              <a:t>4/29/24</a:t>
+              <a:t>6/19/24</a:t>
             </a:fld>
             <a:endParaRPr lang="en-US"/>
           </a:p>
@@ -775,29 +778,147 @@
                 <a:ea typeface="Calibri" panose="020F0502020204030204" pitchFamily="34" charset="0"/>
                 <a:cs typeface="Times New Roman" panose="02020603050405020304" pitchFamily="18" charset="0"/>
               </a:rPr>
-              <a:t>Last, # we’ll ask you some questions about the </a:t>
-            </a:r>
-            <a:r>
-              <a:rPr lang="en-US" sz="1800" kern="100">
+              <a:t>Last, # we’ll ask you some questions about the game.</a:t>
+            </a:r>
+          </a:p>
+        </p:txBody>
+      </p:sp>
+      <p:sp>
+        <p:nvSpPr>
+          <p:cNvPr id="4" name="Slide Number Placeholder 3"/>
+          <p:cNvSpPr>
+            <a:spLocks noGrp="1"/>
+          </p:cNvSpPr>
+          <p:nvPr>
+            <p:ph type="sldNum" sz="quarter" idx="5"/>
+          </p:nvPr>
+        </p:nvSpPr>
+        <p:spPr/>
+        <p:txBody>
+          <a:bodyPr/>
+          <a:lstStyle/>
+          <a:p>
+            <a:fld id="{14AC75BC-4C1B-8C41-A5FC-411BB3B792AB}" type="slidenum">
+              <a:rPr lang="en-US" smtClean="0"/>
+              <a:t>2</a:t>
+            </a:fld>
+            <a:endParaRPr lang="en-US"/>
+          </a:p>
+        </p:txBody>
+      </p:sp>
+    </p:spTree>
+    <p:extLst>
+      <p:ext uri="{BB962C8B-B14F-4D97-AF65-F5344CB8AC3E}">
+        <p14:creationId xmlns:p14="http://schemas.microsoft.com/office/powerpoint/2010/main" val="2375150959"/>
+      </p:ext>
+    </p:extLst>
+  </p:cSld>
+  <p:clrMapOvr>
+    <a:masterClrMapping/>
+  </p:clrMapOvr>
+</p:notes>
+</file>
+
+<file path=ppt/notesSlides/notesSlide2.xml><?xml version="1.0" encoding="utf-8"?>
+<p:notes xmlns:a="http://schemas.openxmlformats.org/drawingml/2006/main" xmlns:r="http://schemas.openxmlformats.org/officeDocument/2006/relationships" xmlns:p="http://schemas.openxmlformats.org/presentationml/2006/main">
+  <p:cSld>
+    <p:spTree>
+      <p:nvGrpSpPr>
+        <p:cNvPr id="1" name="">
+          <a:extLst>
+            <a:ext uri="{FF2B5EF4-FFF2-40B4-BE49-F238E27FC236}">
+              <a16:creationId xmlns:a16="http://schemas.microsoft.com/office/drawing/2014/main" id="{F07F8259-0903-11A9-123E-A4547215176B}"/>
+            </a:ext>
+          </a:extLst>
+        </p:cNvPr>
+        <p:cNvGrpSpPr/>
+        <p:nvPr/>
+      </p:nvGrpSpPr>
+      <p:grpSpPr>
+        <a:xfrm>
+          <a:off x="0" y="0"/>
+          <a:ext cx="0" cy="0"/>
+          <a:chOff x="0" y="0"/>
+          <a:chExt cx="0" cy="0"/>
+        </a:xfrm>
+      </p:grpSpPr>
+      <p:sp>
+        <p:nvSpPr>
+          <p:cNvPr id="2" name="Slide Image Placeholder 1">
+            <a:extLst>
+              <a:ext uri="{FF2B5EF4-FFF2-40B4-BE49-F238E27FC236}">
+                <a16:creationId xmlns:a16="http://schemas.microsoft.com/office/drawing/2014/main" id="{61F06E97-1A0A-4DFD-21C1-33ACC461A7DD}"/>
+              </a:ext>
+            </a:extLst>
+          </p:cNvPr>
+          <p:cNvSpPr>
+            <a:spLocks noGrp="1" noRot="1" noChangeAspect="1"/>
+          </p:cNvSpPr>
+          <p:nvPr>
+            <p:ph type="sldImg"/>
+          </p:nvPr>
+        </p:nvSpPr>
+        <p:spPr/>
+      </p:sp>
+      <p:sp>
+        <p:nvSpPr>
+          <p:cNvPr id="3" name="Notes Placeholder 2">
+            <a:extLst>
+              <a:ext uri="{FF2B5EF4-FFF2-40B4-BE49-F238E27FC236}">
+                <a16:creationId xmlns:a16="http://schemas.microsoft.com/office/drawing/2014/main" id="{A46BD07A-1C24-1049-87CB-6AFF110D68A6}"/>
+              </a:ext>
+            </a:extLst>
+          </p:cNvPr>
+          <p:cNvSpPr>
+            <a:spLocks noGrp="1"/>
+          </p:cNvSpPr>
+          <p:nvPr>
+            <p:ph type="body" idx="1"/>
+          </p:nvPr>
+        </p:nvSpPr>
+        <p:spPr/>
+        <p:txBody>
+          <a:bodyPr/>
+          <a:lstStyle/>
+          <a:p>
+            <a:pPr marL="0" marR="0" lvl="0" indent="0" algn="l" defTabSz="914400" rtl="0" eaLnBrk="1" fontAlgn="auto" latinLnBrk="0" hangingPunct="1">
+              <a:lnSpc>
+                <a:spcPct val="100000"/>
+              </a:lnSpc>
+              <a:spcBef>
+                <a:spcPts val="0"/>
+              </a:spcBef>
+              <a:spcAft>
+                <a:spcPts val="0"/>
+              </a:spcAft>
+              <a:buClrTx/>
+              <a:buSzTx/>
+              <a:buFontTx/>
+              <a:buNone/>
+              <a:tabLst/>
+              <a:defRPr/>
+            </a:pPr>
+            <a:r>
+              <a:rPr lang="en-US" sz="1800" kern="100" dirty="0">
                 <a:effectLst/>
                 <a:latin typeface="Calibri" panose="020F0502020204030204" pitchFamily="34" charset="0"/>
                 <a:ea typeface="Calibri" panose="020F0502020204030204" pitchFamily="34" charset="0"/>
                 <a:cs typeface="Times New Roman" panose="02020603050405020304" pitchFamily="18" charset="0"/>
               </a:rPr>
-              <a:t>game.</a:t>
-            </a:r>
-            <a:endParaRPr lang="en-US" sz="1800" kern="100" dirty="0">
-              <a:effectLst/>
-              <a:latin typeface="Calibri" panose="020F0502020204030204" pitchFamily="34" charset="0"/>
-              <a:ea typeface="Calibri" panose="020F0502020204030204" pitchFamily="34" charset="0"/>
-              <a:cs typeface="Times New Roman" panose="02020603050405020304" pitchFamily="18" charset="0"/>
-            </a:endParaRPr>
-          </a:p>
-        </p:txBody>
-      </p:sp>
-      <p:sp>
-        <p:nvSpPr>
-          <p:cNvPr id="4" name="Slide Number Placeholder 3"/>
+              <a:t>In this game, you’ll see a picture of someone feeling a feeling.</a:t>
+            </a:r>
+          </a:p>
+        </p:txBody>
+      </p:sp>
+      <p:sp>
+        <p:nvSpPr>
+          <p:cNvPr id="4" name="Slide Number Placeholder 3">
+            <a:extLst>
+              <a:ext uri="{FF2B5EF4-FFF2-40B4-BE49-F238E27FC236}">
+                <a16:creationId xmlns:a16="http://schemas.microsoft.com/office/drawing/2014/main" id="{362AA272-071D-627B-52F0-3B76D6DB3954}"/>
+              </a:ext>
+            </a:extLst>
+          </p:cNvPr>
           <p:cNvSpPr>
             <a:spLocks noGrp="1"/>
           </p:cNvSpPr>
@@ -810,9 +931,9 @@
           <a:bodyPr/>
           <a:lstStyle/>
           <a:p>
-            <a:fld id="{14AC75BC-4C1B-8C41-A5FC-411BB3B792AB}" type="slidenum">
+            <a:fld id="{77904A0A-3E14-6C46-8851-9DC8648CFCE0}" type="slidenum">
               <a:rPr lang="en-US" smtClean="0"/>
-              <a:t>2</a:t>
+              <a:t>3</a:t>
             </a:fld>
             <a:endParaRPr lang="en-US"/>
           </a:p>
@@ -821,7 +942,270 @@
     </p:spTree>
     <p:extLst>
       <p:ext uri="{BB962C8B-B14F-4D97-AF65-F5344CB8AC3E}">
-        <p14:creationId xmlns:p14="http://schemas.microsoft.com/office/powerpoint/2010/main" val="2375150959"/>
+        <p14:creationId xmlns:p14="http://schemas.microsoft.com/office/powerpoint/2010/main" val="1607118778"/>
+      </p:ext>
+    </p:extLst>
+  </p:cSld>
+  <p:clrMapOvr>
+    <a:masterClrMapping/>
+  </p:clrMapOvr>
+</p:notes>
+</file>
+
+<file path=ppt/notesSlides/notesSlide3.xml><?xml version="1.0" encoding="utf-8"?>
+<p:notes xmlns:a="http://schemas.openxmlformats.org/drawingml/2006/main" xmlns:r="http://schemas.openxmlformats.org/officeDocument/2006/relationships" xmlns:p="http://schemas.openxmlformats.org/presentationml/2006/main">
+  <p:cSld>
+    <p:spTree>
+      <p:nvGrpSpPr>
+        <p:cNvPr id="1" name="">
+          <a:extLst>
+            <a:ext uri="{FF2B5EF4-FFF2-40B4-BE49-F238E27FC236}">
+              <a16:creationId xmlns:a16="http://schemas.microsoft.com/office/drawing/2014/main" id="{5A7F2BDB-3349-3440-1F85-67ABA2169DE0}"/>
+            </a:ext>
+          </a:extLst>
+        </p:cNvPr>
+        <p:cNvGrpSpPr/>
+        <p:nvPr/>
+      </p:nvGrpSpPr>
+      <p:grpSpPr>
+        <a:xfrm>
+          <a:off x="0" y="0"/>
+          <a:ext cx="0" cy="0"/>
+          <a:chOff x="0" y="0"/>
+          <a:chExt cx="0" cy="0"/>
+        </a:xfrm>
+      </p:grpSpPr>
+      <p:sp>
+        <p:nvSpPr>
+          <p:cNvPr id="2" name="Slide Image Placeholder 1">
+            <a:extLst>
+              <a:ext uri="{FF2B5EF4-FFF2-40B4-BE49-F238E27FC236}">
+                <a16:creationId xmlns:a16="http://schemas.microsoft.com/office/drawing/2014/main" id="{49872F71-4009-1985-9274-DB1533CADE9F}"/>
+              </a:ext>
+            </a:extLst>
+          </p:cNvPr>
+          <p:cNvSpPr>
+            <a:spLocks noGrp="1" noRot="1" noChangeAspect="1"/>
+          </p:cNvSpPr>
+          <p:nvPr>
+            <p:ph type="sldImg"/>
+          </p:nvPr>
+        </p:nvSpPr>
+        <p:spPr/>
+      </p:sp>
+      <p:sp>
+        <p:nvSpPr>
+          <p:cNvPr id="3" name="Notes Placeholder 2">
+            <a:extLst>
+              <a:ext uri="{FF2B5EF4-FFF2-40B4-BE49-F238E27FC236}">
+                <a16:creationId xmlns:a16="http://schemas.microsoft.com/office/drawing/2014/main" id="{A6A8AFB3-5B25-735B-8675-AAB309C0F232}"/>
+              </a:ext>
+            </a:extLst>
+          </p:cNvPr>
+          <p:cNvSpPr>
+            <a:spLocks noGrp="1"/>
+          </p:cNvSpPr>
+          <p:nvPr>
+            <p:ph type="body" idx="1"/>
+          </p:nvPr>
+        </p:nvSpPr>
+        <p:spPr/>
+        <p:txBody>
+          <a:bodyPr/>
+          <a:lstStyle/>
+          <a:p>
+            <a:pPr marL="0" marR="0" lvl="0" indent="0" algn="l" defTabSz="914400" rtl="0" eaLnBrk="1" fontAlgn="auto" latinLnBrk="0" hangingPunct="1">
+              <a:lnSpc>
+                <a:spcPct val="100000"/>
+              </a:lnSpc>
+              <a:spcBef>
+                <a:spcPts val="0"/>
+              </a:spcBef>
+              <a:spcAft>
+                <a:spcPts val="0"/>
+              </a:spcAft>
+              <a:buClrTx/>
+              <a:buSzTx/>
+              <a:buFontTx/>
+              <a:buNone/>
+              <a:tabLst/>
+              <a:defRPr/>
+            </a:pPr>
+            <a:r>
+              <a:rPr lang="en-US" sz="1800" kern="100" dirty="0">
+                <a:effectLst/>
+                <a:latin typeface="Calibri" panose="020F0502020204030204" pitchFamily="34" charset="0"/>
+                <a:ea typeface="Calibri" panose="020F0502020204030204" pitchFamily="34" charset="0"/>
+                <a:cs typeface="Times New Roman" panose="02020603050405020304" pitchFamily="18" charset="0"/>
+              </a:rPr>
+              <a:t>Your job will be to guess what they will do next. </a:t>
+            </a:r>
+          </a:p>
+          <a:p>
+            <a:endParaRPr lang="en-US" dirty="0"/>
+          </a:p>
+        </p:txBody>
+      </p:sp>
+      <p:sp>
+        <p:nvSpPr>
+          <p:cNvPr id="4" name="Slide Number Placeholder 3">
+            <a:extLst>
+              <a:ext uri="{FF2B5EF4-FFF2-40B4-BE49-F238E27FC236}">
+                <a16:creationId xmlns:a16="http://schemas.microsoft.com/office/drawing/2014/main" id="{062392A9-BCCC-C5D3-A97E-92E25651C908}"/>
+              </a:ext>
+            </a:extLst>
+          </p:cNvPr>
+          <p:cNvSpPr>
+            <a:spLocks noGrp="1"/>
+          </p:cNvSpPr>
+          <p:nvPr>
+            <p:ph type="sldNum" sz="quarter" idx="5"/>
+          </p:nvPr>
+        </p:nvSpPr>
+        <p:spPr/>
+        <p:txBody>
+          <a:bodyPr/>
+          <a:lstStyle/>
+          <a:p>
+            <a:fld id="{77904A0A-3E14-6C46-8851-9DC8648CFCE0}" type="slidenum">
+              <a:rPr lang="en-US" smtClean="0"/>
+              <a:t>4</a:t>
+            </a:fld>
+            <a:endParaRPr lang="en-US"/>
+          </a:p>
+        </p:txBody>
+      </p:sp>
+    </p:spTree>
+    <p:extLst>
+      <p:ext uri="{BB962C8B-B14F-4D97-AF65-F5344CB8AC3E}">
+        <p14:creationId xmlns:p14="http://schemas.microsoft.com/office/powerpoint/2010/main" val="1018801652"/>
+      </p:ext>
+    </p:extLst>
+  </p:cSld>
+  <p:clrMapOvr>
+    <a:masterClrMapping/>
+  </p:clrMapOvr>
+</p:notes>
+</file>
+
+<file path=ppt/notesSlides/notesSlide4.xml><?xml version="1.0" encoding="utf-8"?>
+<p:notes xmlns:a="http://schemas.openxmlformats.org/drawingml/2006/main" xmlns:r="http://schemas.openxmlformats.org/officeDocument/2006/relationships" xmlns:p="http://schemas.openxmlformats.org/presentationml/2006/main">
+  <p:cSld>
+    <p:spTree>
+      <p:nvGrpSpPr>
+        <p:cNvPr id="1" name="">
+          <a:extLst>
+            <a:ext uri="{FF2B5EF4-FFF2-40B4-BE49-F238E27FC236}">
+              <a16:creationId xmlns:a16="http://schemas.microsoft.com/office/drawing/2014/main" id="{41194329-C36B-F548-0AA7-DB1676C95847}"/>
+            </a:ext>
+          </a:extLst>
+        </p:cNvPr>
+        <p:cNvGrpSpPr/>
+        <p:nvPr/>
+      </p:nvGrpSpPr>
+      <p:grpSpPr>
+        <a:xfrm>
+          <a:off x="0" y="0"/>
+          <a:ext cx="0" cy="0"/>
+          <a:chOff x="0" y="0"/>
+          <a:chExt cx="0" cy="0"/>
+        </a:xfrm>
+      </p:grpSpPr>
+      <p:sp>
+        <p:nvSpPr>
+          <p:cNvPr id="2" name="Slide Image Placeholder 1">
+            <a:extLst>
+              <a:ext uri="{FF2B5EF4-FFF2-40B4-BE49-F238E27FC236}">
+                <a16:creationId xmlns:a16="http://schemas.microsoft.com/office/drawing/2014/main" id="{011FC745-1318-0E65-428A-78010D4E28F8}"/>
+              </a:ext>
+            </a:extLst>
+          </p:cNvPr>
+          <p:cNvSpPr>
+            <a:spLocks noGrp="1" noRot="1" noChangeAspect="1"/>
+          </p:cNvSpPr>
+          <p:nvPr>
+            <p:ph type="sldImg"/>
+          </p:nvPr>
+        </p:nvSpPr>
+        <p:spPr/>
+      </p:sp>
+      <p:sp>
+        <p:nvSpPr>
+          <p:cNvPr id="3" name="Notes Placeholder 2">
+            <a:extLst>
+              <a:ext uri="{FF2B5EF4-FFF2-40B4-BE49-F238E27FC236}">
+                <a16:creationId xmlns:a16="http://schemas.microsoft.com/office/drawing/2014/main" id="{E349771A-5640-0281-3329-40DDD15AEFAB}"/>
+              </a:ext>
+            </a:extLst>
+          </p:cNvPr>
+          <p:cNvSpPr>
+            <a:spLocks noGrp="1"/>
+          </p:cNvSpPr>
+          <p:nvPr>
+            <p:ph type="body" idx="1"/>
+          </p:nvPr>
+        </p:nvSpPr>
+        <p:spPr/>
+        <p:txBody>
+          <a:bodyPr/>
+          <a:lstStyle/>
+          <a:p>
+            <a:pPr marL="0" marR="0">
+              <a:spcBef>
+                <a:spcPts val="0"/>
+              </a:spcBef>
+              <a:spcAft>
+                <a:spcPts val="0"/>
+              </a:spcAft>
+            </a:pPr>
+            <a:r>
+              <a:rPr lang="en-US" sz="1800" kern="100" dirty="0">
+                <a:effectLst/>
+                <a:latin typeface="Calibri" panose="020F0502020204030204" pitchFamily="34" charset="0"/>
+                <a:ea typeface="Calibri" panose="020F0502020204030204" pitchFamily="34" charset="0"/>
+                <a:cs typeface="Times New Roman" panose="02020603050405020304" pitchFamily="18" charset="0"/>
+              </a:rPr>
+              <a:t> Let’s practice now!</a:t>
+            </a:r>
+          </a:p>
+          <a:p>
+            <a:endParaRPr lang="en-US" dirty="0"/>
+          </a:p>
+        </p:txBody>
+      </p:sp>
+      <p:sp>
+        <p:nvSpPr>
+          <p:cNvPr id="4" name="Slide Number Placeholder 3">
+            <a:extLst>
+              <a:ext uri="{FF2B5EF4-FFF2-40B4-BE49-F238E27FC236}">
+                <a16:creationId xmlns:a16="http://schemas.microsoft.com/office/drawing/2014/main" id="{E211F6D5-D659-7B2E-9294-D935CE742EE4}"/>
+              </a:ext>
+            </a:extLst>
+          </p:cNvPr>
+          <p:cNvSpPr>
+            <a:spLocks noGrp="1"/>
+          </p:cNvSpPr>
+          <p:nvPr>
+            <p:ph type="sldNum" sz="quarter" idx="5"/>
+          </p:nvPr>
+        </p:nvSpPr>
+        <p:spPr/>
+        <p:txBody>
+          <a:bodyPr/>
+          <a:lstStyle/>
+          <a:p>
+            <a:fld id="{77904A0A-3E14-6C46-8851-9DC8648CFCE0}" type="slidenum">
+              <a:rPr lang="en-US" smtClean="0"/>
+              <a:t>5</a:t>
+            </a:fld>
+            <a:endParaRPr lang="en-US"/>
+          </a:p>
+        </p:txBody>
+      </p:sp>
+    </p:spTree>
+    <p:extLst>
+      <p:ext uri="{BB962C8B-B14F-4D97-AF65-F5344CB8AC3E}">
+        <p14:creationId xmlns:p14="http://schemas.microsoft.com/office/powerpoint/2010/main" val="1275080265"/>
       </p:ext>
     </p:extLst>
   </p:cSld>
@@ -978,7 +1362,7 @@
           <a:p>
             <a:fld id="{BC2E3EC0-9595-BC4D-A36A-A2829A077229}" type="datetimeFigureOut">
               <a:rPr lang="en-US" smtClean="0"/>
-              <a:t>4/29/24</a:t>
+              <a:t>6/19/24</a:t>
             </a:fld>
             <a:endParaRPr lang="en-US"/>
           </a:p>
@@ -1176,7 +1560,7 @@
           <a:p>
             <a:fld id="{BC2E3EC0-9595-BC4D-A36A-A2829A077229}" type="datetimeFigureOut">
               <a:rPr lang="en-US" smtClean="0"/>
-              <a:t>4/29/24</a:t>
+              <a:t>6/19/24</a:t>
             </a:fld>
             <a:endParaRPr lang="en-US"/>
           </a:p>
@@ -1384,7 +1768,7 @@
           <a:p>
             <a:fld id="{BC2E3EC0-9595-BC4D-A36A-A2829A077229}" type="datetimeFigureOut">
               <a:rPr lang="en-US" smtClean="0"/>
-              <a:t>4/29/24</a:t>
+              <a:t>6/19/24</a:t>
             </a:fld>
             <a:endParaRPr lang="en-US"/>
           </a:p>
@@ -1582,7 +1966,7 @@
           <a:p>
             <a:fld id="{BC2E3EC0-9595-BC4D-A36A-A2829A077229}" type="datetimeFigureOut">
               <a:rPr lang="en-US" smtClean="0"/>
-              <a:t>4/29/24</a:t>
+              <a:t>6/19/24</a:t>
             </a:fld>
             <a:endParaRPr lang="en-US"/>
           </a:p>
@@ -1857,7 +2241,7 @@
           <a:p>
             <a:fld id="{BC2E3EC0-9595-BC4D-A36A-A2829A077229}" type="datetimeFigureOut">
               <a:rPr lang="en-US" smtClean="0"/>
-              <a:t>4/29/24</a:t>
+              <a:t>6/19/24</a:t>
             </a:fld>
             <a:endParaRPr lang="en-US"/>
           </a:p>
@@ -2122,7 +2506,7 @@
           <a:p>
             <a:fld id="{BC2E3EC0-9595-BC4D-A36A-A2829A077229}" type="datetimeFigureOut">
               <a:rPr lang="en-US" smtClean="0"/>
-              <a:t>4/29/24</a:t>
+              <a:t>6/19/24</a:t>
             </a:fld>
             <a:endParaRPr lang="en-US"/>
           </a:p>
@@ -2534,7 +2918,7 @@
           <a:p>
             <a:fld id="{BC2E3EC0-9595-BC4D-A36A-A2829A077229}" type="datetimeFigureOut">
               <a:rPr lang="en-US" smtClean="0"/>
-              <a:t>4/29/24</a:t>
+              <a:t>6/19/24</a:t>
             </a:fld>
             <a:endParaRPr lang="en-US"/>
           </a:p>
@@ -2675,7 +3059,7 @@
           <a:p>
             <a:fld id="{BC2E3EC0-9595-BC4D-A36A-A2829A077229}" type="datetimeFigureOut">
               <a:rPr lang="en-US" smtClean="0"/>
-              <a:t>4/29/24</a:t>
+              <a:t>6/19/24</a:t>
             </a:fld>
             <a:endParaRPr lang="en-US"/>
           </a:p>
@@ -2788,7 +3172,7 @@
           <a:p>
             <a:fld id="{BC2E3EC0-9595-BC4D-A36A-A2829A077229}" type="datetimeFigureOut">
               <a:rPr lang="en-US" smtClean="0"/>
-              <a:t>4/29/24</a:t>
+              <a:t>6/19/24</a:t>
             </a:fld>
             <a:endParaRPr lang="en-US"/>
           </a:p>
@@ -3099,7 +3483,7 @@
           <a:p>
             <a:fld id="{BC2E3EC0-9595-BC4D-A36A-A2829A077229}" type="datetimeFigureOut">
               <a:rPr lang="en-US" smtClean="0"/>
-              <a:t>4/29/24</a:t>
+              <a:t>6/19/24</a:t>
             </a:fld>
             <a:endParaRPr lang="en-US"/>
           </a:p>
@@ -3387,7 +3771,7 @@
           <a:p>
             <a:fld id="{BC2E3EC0-9595-BC4D-A36A-A2829A077229}" type="datetimeFigureOut">
               <a:rPr lang="en-US" smtClean="0"/>
-              <a:t>4/29/24</a:t>
+              <a:t>6/19/24</a:t>
             </a:fld>
             <a:endParaRPr lang="en-US"/>
           </a:p>
@@ -3628,7 +4012,7 @@
           <a:p>
             <a:fld id="{BC2E3EC0-9595-BC4D-A36A-A2829A077229}" type="datetimeFigureOut">
               <a:rPr lang="en-US" smtClean="0"/>
-              <a:t>4/29/24</a:t>
+              <a:t>6/19/24</a:t>
             </a:fld>
             <a:endParaRPr lang="en-US"/>
           </a:p>
@@ -5220,6 +5604,1002 @@
                 </p:cTn>
                 <p:tgtEl>
                   <p:spTgt spid="31"/>
+                </p:tgtEl>
+              </p:cMediaNode>
+            </p:audio>
+          </p:childTnLst>
+        </p:cTn>
+      </p:par>
+    </p:tnLst>
+  </p:timing>
+</p:sld>
+</file>
+
+<file path=ppt/slides/slide3.xml><?xml version="1.0" encoding="utf-8"?>
+<p:sld xmlns:a="http://schemas.openxmlformats.org/drawingml/2006/main" xmlns:r="http://schemas.openxmlformats.org/officeDocument/2006/relationships" xmlns:p="http://schemas.openxmlformats.org/presentationml/2006/main">
+  <p:cSld>
+    <p:spTree>
+      <p:nvGrpSpPr>
+        <p:cNvPr id="1" name="">
+          <a:extLst>
+            <a:ext uri="{FF2B5EF4-FFF2-40B4-BE49-F238E27FC236}">
+              <a16:creationId xmlns:a16="http://schemas.microsoft.com/office/drawing/2014/main" id="{D4F8FF54-23AF-DDF8-A63D-87FAAF7E9F03}"/>
+            </a:ext>
+          </a:extLst>
+        </p:cNvPr>
+        <p:cNvGrpSpPr/>
+        <p:nvPr/>
+      </p:nvGrpSpPr>
+      <p:grpSpPr>
+        <a:xfrm>
+          <a:off x="0" y="0"/>
+          <a:ext cx="0" cy="0"/>
+          <a:chOff x="0" y="0"/>
+          <a:chExt cx="0" cy="0"/>
+        </a:xfrm>
+      </p:grpSpPr>
+      <p:pic>
+        <p:nvPicPr>
+          <p:cNvPr id="1032" name="Picture 8" descr="Free Frame Ecommerce illustration and picture">
+            <a:extLst>
+              <a:ext uri="{FF2B5EF4-FFF2-40B4-BE49-F238E27FC236}">
+                <a16:creationId xmlns:a16="http://schemas.microsoft.com/office/drawing/2014/main" id="{EDC4D5AE-4507-A53E-BF25-9BADCD55D35A}"/>
+              </a:ext>
+            </a:extLst>
+          </p:cNvPr>
+          <p:cNvPicPr>
+            <a:picLocks noChangeAspect="1" noChangeArrowheads="1"/>
+          </p:cNvPicPr>
+          <p:nvPr/>
+        </p:nvPicPr>
+        <p:blipFill>
+          <a:blip r:embed="rId5">
+            <a:extLst>
+              <a:ext uri="{28A0092B-C50C-407E-A947-70E740481C1C}">
+                <a14:useLocalDpi xmlns:a14="http://schemas.microsoft.com/office/drawing/2010/main" val="0"/>
+              </a:ext>
+            </a:extLst>
+          </a:blip>
+          <a:srcRect/>
+          <a:stretch>
+            <a:fillRect/>
+          </a:stretch>
+        </p:blipFill>
+        <p:spPr bwMode="auto">
+          <a:xfrm>
+            <a:off x="727607" y="1382487"/>
+            <a:ext cx="3083034" cy="4093027"/>
+          </a:xfrm>
+          <a:prstGeom prst="rect">
+            <a:avLst/>
+          </a:prstGeom>
+          <a:noFill/>
+          <a:extLst>
+            <a:ext uri="{909E8E84-426E-40DD-AFC4-6F175D3DCCD1}">
+              <a14:hiddenFill xmlns:a14="http://schemas.microsoft.com/office/drawing/2010/main">
+                <a:solidFill>
+                  <a:srgbClr val="FFFFFF"/>
+                </a:solidFill>
+              </a14:hiddenFill>
+            </a:ext>
+          </a:extLst>
+        </p:spPr>
+      </p:pic>
+      <p:pic>
+        <p:nvPicPr>
+          <p:cNvPr id="5" name="Picture 4">
+            <a:extLst>
+              <a:ext uri="{FF2B5EF4-FFF2-40B4-BE49-F238E27FC236}">
+                <a16:creationId xmlns:a16="http://schemas.microsoft.com/office/drawing/2014/main" id="{BEAEB86E-5E82-B6A0-7D56-2C79155B5392}"/>
+              </a:ext>
+            </a:extLst>
+          </p:cNvPr>
+          <p:cNvPicPr>
+            <a:picLocks noChangeAspect="1"/>
+          </p:cNvPicPr>
+          <p:nvPr/>
+        </p:nvPicPr>
+        <p:blipFill>
+          <a:blip r:embed="rId6"/>
+          <a:stretch>
+            <a:fillRect/>
+          </a:stretch>
+        </p:blipFill>
+        <p:spPr>
+          <a:xfrm>
+            <a:off x="1221544" y="2010229"/>
+            <a:ext cx="2129586" cy="3015343"/>
+          </a:xfrm>
+          <a:prstGeom prst="rect">
+            <a:avLst/>
+          </a:prstGeom>
+        </p:spPr>
+      </p:pic>
+      <p:pic>
+        <p:nvPicPr>
+          <p:cNvPr id="6" name="Audio 5">
+            <a:extLst>
+              <a:ext uri="{FF2B5EF4-FFF2-40B4-BE49-F238E27FC236}">
+                <a16:creationId xmlns:a16="http://schemas.microsoft.com/office/drawing/2014/main" id="{CFB4ED49-0985-6606-968D-B7E3EB3838EE}"/>
+              </a:ext>
+            </a:extLst>
+          </p:cNvPr>
+          <p:cNvPicPr>
+            <a:picLocks noChangeAspect="1"/>
+          </p:cNvPicPr>
+          <p:nvPr>
+            <a:audioFile r:link="rId2"/>
+            <p:extLst>
+              <p:ext uri="{DAA4B4D4-6D71-4841-9C94-3DE7FCFB9230}">
+                <p14:media xmlns:p14="http://schemas.microsoft.com/office/powerpoint/2010/main" r:embed="rId1"/>
+              </p:ext>
+            </p:extLst>
+          </p:nvPr>
+        </p:nvPicPr>
+        <p:blipFill>
+          <a:blip r:embed="rId7"/>
+          <a:stretch>
+            <a:fillRect/>
+          </a:stretch>
+        </p:blipFill>
+        <p:spPr>
+          <a:xfrm>
+            <a:off x="11226800" y="5892800"/>
+            <a:ext cx="812800" cy="812800"/>
+          </a:xfrm>
+          <a:prstGeom prst="rect">
+            <a:avLst/>
+          </a:prstGeom>
+        </p:spPr>
+      </p:pic>
+    </p:spTree>
+    <p:extLst>
+      <p:ext uri="{BB962C8B-B14F-4D97-AF65-F5344CB8AC3E}">
+        <p14:creationId xmlns:p14="http://schemas.microsoft.com/office/powerpoint/2010/main" val="2286016470"/>
+      </p:ext>
+    </p:extLst>
+  </p:cSld>
+  <p:clrMapOvr>
+    <a:masterClrMapping/>
+  </p:clrMapOvr>
+  <mc:AlternateContent xmlns:mc="http://schemas.openxmlformats.org/markup-compatibility/2006" xmlns:p14="http://schemas.microsoft.com/office/powerpoint/2010/main">
+    <mc:Choice Requires="p14">
+      <p:transition spd="slow" p14:dur="2000" advTm="6549"/>
+    </mc:Choice>
+    <mc:Fallback xmlns="">
+      <p:transition spd="slow" advTm="6549"/>
+    </mc:Fallback>
+  </mc:AlternateContent>
+  <p:timing>
+    <p:tnLst>
+      <p:par>
+        <p:cTn id="1" dur="indefinite" restart="never" nodeType="tmRoot">
+          <p:childTnLst>
+            <p:seq concurrent="1" nextAc="seek">
+              <p:cTn id="2" dur="indefinite" nodeType="mainSeq">
+                <p:childTnLst>
+                  <p:par>
+                    <p:cTn id="3" fill="hold">
+                      <p:stCondLst>
+                        <p:cond delay="indefinite"/>
+                        <p:cond evt="onBegin" delay="0">
+                          <p:tn val="2"/>
+                        </p:cond>
+                      </p:stCondLst>
+                      <p:childTnLst>
+                        <p:par>
+                          <p:cTn id="4" fill="hold">
+                            <p:stCondLst>
+                              <p:cond delay="0"/>
+                            </p:stCondLst>
+                            <p:childTnLst>
+                              <p:par>
+                                <p:cTn id="5" presetID="1" presetClass="mediacall" presetSubtype="0" fill="hold" nodeType="afterEffect">
+                                  <p:stCondLst>
+                                    <p:cond delay="0"/>
+                                  </p:stCondLst>
+                                  <p:childTnLst>
+                                    <p:cmd type="call" cmd="playFrom(0.0)">
+                                      <p:cBhvr>
+                                        <p:cTn id="6" dur="1" fill="hold"/>
+                                        <p:tgtEl>
+                                          <p:spTgt spid="6"/>
+                                        </p:tgtEl>
+                                      </p:cBhvr>
+                                    </p:cmd>
+                                  </p:childTnLst>
+                                </p:cTn>
+                              </p:par>
+                            </p:childTnLst>
+                          </p:cTn>
+                        </p:par>
+                      </p:childTnLst>
+                    </p:cTn>
+                  </p:par>
+                </p:childTnLst>
+              </p:cTn>
+              <p:prevCondLst>
+                <p:cond evt="onPrev" delay="0">
+                  <p:tgtEl>
+                    <p:sldTgt/>
+                  </p:tgtEl>
+                </p:cond>
+              </p:prevCondLst>
+              <p:nextCondLst>
+                <p:cond evt="onNext" delay="0">
+                  <p:tgtEl>
+                    <p:sldTgt/>
+                  </p:tgtEl>
+                </p:cond>
+              </p:nextCondLst>
+            </p:seq>
+            <p:audio isNarration="1">
+              <p:cMediaNode vol="80000" showWhenStopped="0">
+                <p:cTn id="7" fill="hold" display="0">
+                  <p:stCondLst>
+                    <p:cond delay="indefinite"/>
+                  </p:stCondLst>
+                  <p:endCondLst>
+                    <p:cond evt="onStopAudio" delay="0">
+                      <p:tgtEl>
+                        <p:sldTgt/>
+                      </p:tgtEl>
+                    </p:cond>
+                  </p:endCondLst>
+                </p:cTn>
+                <p:tgtEl>
+                  <p:spTgt spid="6"/>
+                </p:tgtEl>
+              </p:cMediaNode>
+            </p:audio>
+          </p:childTnLst>
+        </p:cTn>
+      </p:par>
+    </p:tnLst>
+  </p:timing>
+</p:sld>
+</file>
+
+<file path=ppt/slides/slide4.xml><?xml version="1.0" encoding="utf-8"?>
+<p:sld xmlns:a="http://schemas.openxmlformats.org/drawingml/2006/main" xmlns:r="http://schemas.openxmlformats.org/officeDocument/2006/relationships" xmlns:p="http://schemas.openxmlformats.org/presentationml/2006/main">
+  <p:cSld>
+    <p:spTree>
+      <p:nvGrpSpPr>
+        <p:cNvPr id="1" name="">
+          <a:extLst>
+            <a:ext uri="{FF2B5EF4-FFF2-40B4-BE49-F238E27FC236}">
+              <a16:creationId xmlns:a16="http://schemas.microsoft.com/office/drawing/2014/main" id="{FE2BC7A9-4223-915A-F60E-232D240C5E42}"/>
+            </a:ext>
+          </a:extLst>
+        </p:cNvPr>
+        <p:cNvGrpSpPr/>
+        <p:nvPr/>
+      </p:nvGrpSpPr>
+      <p:grpSpPr>
+        <a:xfrm>
+          <a:off x="0" y="0"/>
+          <a:ext cx="0" cy="0"/>
+          <a:chOff x="0" y="0"/>
+          <a:chExt cx="0" cy="0"/>
+        </a:xfrm>
+      </p:grpSpPr>
+      <p:grpSp>
+        <p:nvGrpSpPr>
+          <p:cNvPr id="6" name="Group 5">
+            <a:extLst>
+              <a:ext uri="{FF2B5EF4-FFF2-40B4-BE49-F238E27FC236}">
+                <a16:creationId xmlns:a16="http://schemas.microsoft.com/office/drawing/2014/main" id="{0A2F2903-46DA-FB25-611E-DF610EA45EB4}"/>
+              </a:ext>
+            </a:extLst>
+          </p:cNvPr>
+          <p:cNvGrpSpPr/>
+          <p:nvPr/>
+        </p:nvGrpSpPr>
+        <p:grpSpPr>
+          <a:xfrm>
+            <a:off x="727607" y="1382487"/>
+            <a:ext cx="3083034" cy="4093027"/>
+            <a:chOff x="1394734" y="928915"/>
+            <a:chExt cx="3083034" cy="4093027"/>
+          </a:xfrm>
+        </p:grpSpPr>
+        <p:pic>
+          <p:nvPicPr>
+            <p:cNvPr id="5" name="Picture 4">
+              <a:extLst>
+                <a:ext uri="{FF2B5EF4-FFF2-40B4-BE49-F238E27FC236}">
+                  <a16:creationId xmlns:a16="http://schemas.microsoft.com/office/drawing/2014/main" id="{7B545F6C-77C8-C520-DBA1-B0F0BCFC3F78}"/>
+                </a:ext>
+              </a:extLst>
+            </p:cNvPr>
+            <p:cNvPicPr>
+              <a:picLocks noChangeAspect="1"/>
+            </p:cNvPicPr>
+            <p:nvPr/>
+          </p:nvPicPr>
+          <p:blipFill>
+            <a:blip r:embed="rId5"/>
+            <a:stretch>
+              <a:fillRect/>
+            </a:stretch>
+          </p:blipFill>
+          <p:spPr>
+            <a:xfrm>
+              <a:off x="1888671" y="1556657"/>
+              <a:ext cx="2129586" cy="3015343"/>
+            </a:xfrm>
+            <a:prstGeom prst="rect">
+              <a:avLst/>
+            </a:prstGeom>
+          </p:spPr>
+        </p:pic>
+        <p:pic>
+          <p:nvPicPr>
+            <p:cNvPr id="1032" name="Picture 8" descr="Free Frame Ecommerce illustration and picture">
+              <a:extLst>
+                <a:ext uri="{FF2B5EF4-FFF2-40B4-BE49-F238E27FC236}">
+                  <a16:creationId xmlns:a16="http://schemas.microsoft.com/office/drawing/2014/main" id="{AD583A43-F2A9-DA58-6774-EEE9D674B0EC}"/>
+                </a:ext>
+              </a:extLst>
+            </p:cNvPr>
+            <p:cNvPicPr>
+              <a:picLocks noChangeAspect="1" noChangeArrowheads="1"/>
+            </p:cNvPicPr>
+            <p:nvPr/>
+          </p:nvPicPr>
+          <p:blipFill>
+            <a:blip r:embed="rId6">
+              <a:extLst>
+                <a:ext uri="{28A0092B-C50C-407E-A947-70E740481C1C}">
+                  <a14:useLocalDpi xmlns:a14="http://schemas.microsoft.com/office/drawing/2010/main" val="0"/>
+                </a:ext>
+              </a:extLst>
+            </a:blip>
+            <a:srcRect/>
+            <a:stretch>
+              <a:fillRect/>
+            </a:stretch>
+          </p:blipFill>
+          <p:spPr bwMode="auto">
+            <a:xfrm>
+              <a:off x="1394734" y="928915"/>
+              <a:ext cx="3083034" cy="4093027"/>
+            </a:xfrm>
+            <a:prstGeom prst="rect">
+              <a:avLst/>
+            </a:prstGeom>
+            <a:noFill/>
+            <a:extLst>
+              <a:ext uri="{909E8E84-426E-40DD-AFC4-6F175D3DCCD1}">
+                <a14:hiddenFill xmlns:a14="http://schemas.microsoft.com/office/drawing/2010/main">
+                  <a:solidFill>
+                    <a:srgbClr val="FFFFFF"/>
+                  </a:solidFill>
+                </a14:hiddenFill>
+              </a:ext>
+            </a:extLst>
+          </p:spPr>
+        </p:pic>
+      </p:grpSp>
+      <p:sp>
+        <p:nvSpPr>
+          <p:cNvPr id="2" name="Right Arrow 1">
+            <a:extLst>
+              <a:ext uri="{FF2B5EF4-FFF2-40B4-BE49-F238E27FC236}">
+                <a16:creationId xmlns:a16="http://schemas.microsoft.com/office/drawing/2014/main" id="{FD6F0F65-19D2-BD3F-111E-1FEB1ABB7FCB}"/>
+              </a:ext>
+            </a:extLst>
+          </p:cNvPr>
+          <p:cNvSpPr/>
+          <p:nvPr/>
+        </p:nvSpPr>
+        <p:spPr>
+          <a:xfrm>
+            <a:off x="4574903" y="2354580"/>
+            <a:ext cx="2461566" cy="2148840"/>
+          </a:xfrm>
+          <a:prstGeom prst="rightArrow">
+            <a:avLst>
+              <a:gd name="adj1" fmla="val 34127"/>
+              <a:gd name="adj2" fmla="val 50000"/>
+            </a:avLst>
+          </a:prstGeom>
+        </p:spPr>
+        <p:style>
+          <a:lnRef idx="2">
+            <a:schemeClr val="dk1">
+              <a:shade val="15000"/>
+            </a:schemeClr>
+          </a:lnRef>
+          <a:fillRef idx="1">
+            <a:schemeClr val="dk1"/>
+          </a:fillRef>
+          <a:effectRef idx="0">
+            <a:schemeClr val="dk1"/>
+          </a:effectRef>
+          <a:fontRef idx="minor">
+            <a:schemeClr val="lt1"/>
+          </a:fontRef>
+        </p:style>
+        <p:txBody>
+          <a:bodyPr rtlCol="0" anchor="ctr"/>
+          <a:lstStyle/>
+          <a:p>
+            <a:pPr algn="ctr"/>
+            <a:endParaRPr lang="en-US" b="1" dirty="0"/>
+          </a:p>
+        </p:txBody>
+      </p:sp>
+      <p:pic>
+        <p:nvPicPr>
+          <p:cNvPr id="3" name="Graphic 2" descr="Question Mark with solid fill">
+            <a:extLst>
+              <a:ext uri="{FF2B5EF4-FFF2-40B4-BE49-F238E27FC236}">
+                <a16:creationId xmlns:a16="http://schemas.microsoft.com/office/drawing/2014/main" id="{0E82FB24-70B5-2A68-4447-B5DA6EAB7C00}"/>
+              </a:ext>
+            </a:extLst>
+          </p:cNvPr>
+          <p:cNvPicPr>
+            <a:picLocks noChangeAspect="1"/>
+          </p:cNvPicPr>
+          <p:nvPr/>
+        </p:nvPicPr>
+        <p:blipFill>
+          <a:blip r:embed="rId7">
+            <a:extLst>
+              <a:ext uri="{96DAC541-7B7A-43D3-8B79-37D633B846F1}">
+                <asvg:svgBlip xmlns:asvg="http://schemas.microsoft.com/office/drawing/2016/SVG/main" r:embed="rId8"/>
+              </a:ext>
+            </a:extLst>
+          </a:blip>
+          <a:stretch>
+            <a:fillRect/>
+          </a:stretch>
+        </p:blipFill>
+        <p:spPr>
+          <a:xfrm>
+            <a:off x="7623636" y="2354580"/>
+            <a:ext cx="1969253" cy="2148840"/>
+          </a:xfrm>
+          <a:prstGeom prst="rect">
+            <a:avLst/>
+          </a:prstGeom>
+        </p:spPr>
+      </p:pic>
+      <p:pic>
+        <p:nvPicPr>
+          <p:cNvPr id="9" name="Audio 8">
+            <a:extLst>
+              <a:ext uri="{FF2B5EF4-FFF2-40B4-BE49-F238E27FC236}">
+                <a16:creationId xmlns:a16="http://schemas.microsoft.com/office/drawing/2014/main" id="{D4979F0D-2BD9-98AA-4D4E-B850DF07EDAA}"/>
+              </a:ext>
+            </a:extLst>
+          </p:cNvPr>
+          <p:cNvPicPr>
+            <a:picLocks noChangeAspect="1"/>
+          </p:cNvPicPr>
+          <p:nvPr>
+            <a:audioFile r:link="rId2"/>
+            <p:extLst>
+              <p:ext uri="{DAA4B4D4-6D71-4841-9C94-3DE7FCFB9230}">
+                <p14:media xmlns:p14="http://schemas.microsoft.com/office/powerpoint/2010/main" r:embed="rId1"/>
+              </p:ext>
+            </p:extLst>
+          </p:nvPr>
+        </p:nvPicPr>
+        <p:blipFill>
+          <a:blip r:embed="rId9"/>
+          <a:stretch>
+            <a:fillRect/>
+          </a:stretch>
+        </p:blipFill>
+        <p:spPr>
+          <a:xfrm>
+            <a:off x="11226800" y="5892800"/>
+            <a:ext cx="812800" cy="812800"/>
+          </a:xfrm>
+          <a:prstGeom prst="rect">
+            <a:avLst/>
+          </a:prstGeom>
+        </p:spPr>
+      </p:pic>
+    </p:spTree>
+    <p:extLst>
+      <p:ext uri="{BB962C8B-B14F-4D97-AF65-F5344CB8AC3E}">
+        <p14:creationId xmlns:p14="http://schemas.microsoft.com/office/powerpoint/2010/main" val="16939637"/>
+      </p:ext>
+    </p:extLst>
+  </p:cSld>
+  <p:clrMapOvr>
+    <a:masterClrMapping/>
+  </p:clrMapOvr>
+  <mc:AlternateContent xmlns:mc="http://schemas.openxmlformats.org/markup-compatibility/2006" xmlns:p14="http://schemas.microsoft.com/office/powerpoint/2010/main">
+    <mc:Choice Requires="p14">
+      <p:transition spd="slow" p14:dur="2000" advTm="5781"/>
+    </mc:Choice>
+    <mc:Fallback xmlns="">
+      <p:transition spd="slow" advTm="5781"/>
+    </mc:Fallback>
+  </mc:AlternateContent>
+  <p:timing>
+    <p:tnLst>
+      <p:par>
+        <p:cTn id="1" dur="indefinite" restart="never" nodeType="tmRoot">
+          <p:childTnLst>
+            <p:seq concurrent="1" nextAc="seek">
+              <p:cTn id="2" dur="indefinite" nodeType="mainSeq">
+                <p:childTnLst>
+                  <p:par>
+                    <p:cTn id="3" fill="hold">
+                      <p:stCondLst>
+                        <p:cond delay="indefinite"/>
+                        <p:cond evt="onBegin" delay="0">
+                          <p:tn val="2"/>
+                        </p:cond>
+                      </p:stCondLst>
+                      <p:childTnLst>
+                        <p:par>
+                          <p:cTn id="4" fill="hold">
+                            <p:stCondLst>
+                              <p:cond delay="0"/>
+                            </p:stCondLst>
+                            <p:childTnLst>
+                              <p:par>
+                                <p:cTn id="5" presetID="1" presetClass="mediacall" presetSubtype="0" fill="hold" nodeType="afterEffect">
+                                  <p:stCondLst>
+                                    <p:cond delay="0"/>
+                                  </p:stCondLst>
+                                  <p:childTnLst>
+                                    <p:cmd type="call" cmd="playFrom(0.0)">
+                                      <p:cBhvr>
+                                        <p:cTn id="6" dur="1" fill="hold"/>
+                                        <p:tgtEl>
+                                          <p:spTgt spid="9"/>
+                                        </p:tgtEl>
+                                      </p:cBhvr>
+                                    </p:cmd>
+                                  </p:childTnLst>
+                                </p:cTn>
+                              </p:par>
+                            </p:childTnLst>
+                          </p:cTn>
+                        </p:par>
+                      </p:childTnLst>
+                    </p:cTn>
+                  </p:par>
+                </p:childTnLst>
+              </p:cTn>
+              <p:prevCondLst>
+                <p:cond evt="onPrev" delay="0">
+                  <p:tgtEl>
+                    <p:sldTgt/>
+                  </p:tgtEl>
+                </p:cond>
+              </p:prevCondLst>
+              <p:nextCondLst>
+                <p:cond evt="onNext" delay="0">
+                  <p:tgtEl>
+                    <p:sldTgt/>
+                  </p:tgtEl>
+                </p:cond>
+              </p:nextCondLst>
+            </p:seq>
+            <p:audio isNarration="1">
+              <p:cMediaNode vol="80000" showWhenStopped="0">
+                <p:cTn id="7" fill="hold" display="0">
+                  <p:stCondLst>
+                    <p:cond delay="indefinite"/>
+                  </p:stCondLst>
+                  <p:endCondLst>
+                    <p:cond evt="onStopAudio" delay="0">
+                      <p:tgtEl>
+                        <p:sldTgt/>
+                      </p:tgtEl>
+                    </p:cond>
+                  </p:endCondLst>
+                </p:cTn>
+                <p:tgtEl>
+                  <p:spTgt spid="9"/>
+                </p:tgtEl>
+              </p:cMediaNode>
+            </p:audio>
+          </p:childTnLst>
+        </p:cTn>
+      </p:par>
+    </p:tnLst>
+  </p:timing>
+</p:sld>
+</file>
+
+<file path=ppt/slides/slide5.xml><?xml version="1.0" encoding="utf-8"?>
+<p:sld xmlns:a="http://schemas.openxmlformats.org/drawingml/2006/main" xmlns:r="http://schemas.openxmlformats.org/officeDocument/2006/relationships" xmlns:p="http://schemas.openxmlformats.org/presentationml/2006/main">
+  <p:cSld>
+    <p:spTree>
+      <p:nvGrpSpPr>
+        <p:cNvPr id="1" name="">
+          <a:extLst>
+            <a:ext uri="{FF2B5EF4-FFF2-40B4-BE49-F238E27FC236}">
+              <a16:creationId xmlns:a16="http://schemas.microsoft.com/office/drawing/2014/main" id="{5B2BA168-7785-C398-A2F7-6BCC51E3D8C8}"/>
+            </a:ext>
+          </a:extLst>
+        </p:cNvPr>
+        <p:cNvGrpSpPr/>
+        <p:nvPr/>
+      </p:nvGrpSpPr>
+      <p:grpSpPr>
+        <a:xfrm>
+          <a:off x="0" y="0"/>
+          <a:ext cx="0" cy="0"/>
+          <a:chOff x="0" y="0"/>
+          <a:chExt cx="0" cy="0"/>
+        </a:xfrm>
+      </p:grpSpPr>
+      <p:sp>
+        <p:nvSpPr>
+          <p:cNvPr id="2" name="Right Arrow 1">
+            <a:extLst>
+              <a:ext uri="{FF2B5EF4-FFF2-40B4-BE49-F238E27FC236}">
+                <a16:creationId xmlns:a16="http://schemas.microsoft.com/office/drawing/2014/main" id="{A1BF9C52-320B-6FF8-2159-56273357687E}"/>
+              </a:ext>
+            </a:extLst>
+          </p:cNvPr>
+          <p:cNvSpPr/>
+          <p:nvPr/>
+        </p:nvSpPr>
+        <p:spPr>
+          <a:xfrm>
+            <a:off x="4574903" y="2354580"/>
+            <a:ext cx="2461566" cy="2148840"/>
+          </a:xfrm>
+          <a:prstGeom prst="rightArrow">
+            <a:avLst>
+              <a:gd name="adj1" fmla="val 34127"/>
+              <a:gd name="adj2" fmla="val 50000"/>
+            </a:avLst>
+          </a:prstGeom>
+        </p:spPr>
+        <p:style>
+          <a:lnRef idx="2">
+            <a:schemeClr val="dk1">
+              <a:shade val="15000"/>
+            </a:schemeClr>
+          </a:lnRef>
+          <a:fillRef idx="1">
+            <a:schemeClr val="dk1"/>
+          </a:fillRef>
+          <a:effectRef idx="0">
+            <a:schemeClr val="dk1"/>
+          </a:effectRef>
+          <a:fontRef idx="minor">
+            <a:schemeClr val="lt1"/>
+          </a:fontRef>
+        </p:style>
+        <p:txBody>
+          <a:bodyPr rtlCol="0" anchor="ctr"/>
+          <a:lstStyle/>
+          <a:p>
+            <a:pPr algn="ctr"/>
+            <a:endParaRPr lang="en-US" b="1" dirty="0"/>
+          </a:p>
+        </p:txBody>
+      </p:sp>
+      <p:grpSp>
+        <p:nvGrpSpPr>
+          <p:cNvPr id="25" name="Group 24">
+            <a:extLst>
+              <a:ext uri="{FF2B5EF4-FFF2-40B4-BE49-F238E27FC236}">
+                <a16:creationId xmlns:a16="http://schemas.microsoft.com/office/drawing/2014/main" id="{FE52D92A-EA4E-6236-7580-236C7F1F32EE}"/>
+              </a:ext>
+            </a:extLst>
+          </p:cNvPr>
+          <p:cNvGrpSpPr/>
+          <p:nvPr/>
+        </p:nvGrpSpPr>
+        <p:grpSpPr>
+          <a:xfrm>
+            <a:off x="727607" y="1382487"/>
+            <a:ext cx="3083034" cy="4093027"/>
+            <a:chOff x="1394734" y="928915"/>
+            <a:chExt cx="3083034" cy="4093027"/>
+          </a:xfrm>
+        </p:grpSpPr>
+        <p:pic>
+          <p:nvPicPr>
+            <p:cNvPr id="27" name="Picture 8" descr="Free Frame Ecommerce illustration and picture">
+              <a:extLst>
+                <a:ext uri="{FF2B5EF4-FFF2-40B4-BE49-F238E27FC236}">
+                  <a16:creationId xmlns:a16="http://schemas.microsoft.com/office/drawing/2014/main" id="{6D38410B-C620-799E-54EF-16B40EDA8E0B}"/>
+                </a:ext>
+              </a:extLst>
+            </p:cNvPr>
+            <p:cNvPicPr>
+              <a:picLocks noChangeAspect="1" noChangeArrowheads="1"/>
+            </p:cNvPicPr>
+            <p:nvPr/>
+          </p:nvPicPr>
+          <p:blipFill>
+            <a:blip r:embed="rId5">
+              <a:extLst>
+                <a:ext uri="{28A0092B-C50C-407E-A947-70E740481C1C}">
+                  <a14:useLocalDpi xmlns:a14="http://schemas.microsoft.com/office/drawing/2010/main" val="0"/>
+                </a:ext>
+              </a:extLst>
+            </a:blip>
+            <a:srcRect/>
+            <a:stretch>
+              <a:fillRect/>
+            </a:stretch>
+          </p:blipFill>
+          <p:spPr bwMode="auto">
+            <a:xfrm>
+              <a:off x="1394734" y="928915"/>
+              <a:ext cx="3083034" cy="4093027"/>
+            </a:xfrm>
+            <a:prstGeom prst="rect">
+              <a:avLst/>
+            </a:prstGeom>
+            <a:noFill/>
+            <a:extLst>
+              <a:ext uri="{909E8E84-426E-40DD-AFC4-6F175D3DCCD1}">
+                <a14:hiddenFill xmlns:a14="http://schemas.microsoft.com/office/drawing/2010/main">
+                  <a:solidFill>
+                    <a:srgbClr val="FFFFFF"/>
+                  </a:solidFill>
+                </a14:hiddenFill>
+              </a:ext>
+            </a:extLst>
+          </p:spPr>
+        </p:pic>
+        <p:pic>
+          <p:nvPicPr>
+            <p:cNvPr id="26" name="Picture 25">
+              <a:extLst>
+                <a:ext uri="{FF2B5EF4-FFF2-40B4-BE49-F238E27FC236}">
+                  <a16:creationId xmlns:a16="http://schemas.microsoft.com/office/drawing/2014/main" id="{0EECD4B1-05AD-76BC-8314-8F55DB02B4EF}"/>
+                </a:ext>
+              </a:extLst>
+            </p:cNvPr>
+            <p:cNvPicPr>
+              <a:picLocks noChangeAspect="1"/>
+            </p:cNvPicPr>
+            <p:nvPr/>
+          </p:nvPicPr>
+          <p:blipFill>
+            <a:blip r:embed="rId6"/>
+            <a:stretch>
+              <a:fillRect/>
+            </a:stretch>
+          </p:blipFill>
+          <p:spPr>
+            <a:xfrm>
+              <a:off x="1888671" y="1556657"/>
+              <a:ext cx="2129586" cy="3015343"/>
+            </a:xfrm>
+            <a:prstGeom prst="rect">
+              <a:avLst/>
+            </a:prstGeom>
+          </p:spPr>
+        </p:pic>
+      </p:grpSp>
+      <p:pic>
+        <p:nvPicPr>
+          <p:cNvPr id="5" name="Audio 4">
+            <a:extLst>
+              <a:ext uri="{FF2B5EF4-FFF2-40B4-BE49-F238E27FC236}">
+                <a16:creationId xmlns:a16="http://schemas.microsoft.com/office/drawing/2014/main" id="{53FDEEFF-B7BD-59F0-BEC5-F4F2935BCAC0}"/>
+              </a:ext>
+            </a:extLst>
+          </p:cNvPr>
+          <p:cNvPicPr>
+            <a:picLocks noChangeAspect="1"/>
+          </p:cNvPicPr>
+          <p:nvPr>
+            <a:audioFile r:link="rId2"/>
+            <p:extLst>
+              <p:ext uri="{DAA4B4D4-6D71-4841-9C94-3DE7FCFB9230}">
+                <p14:media xmlns:p14="http://schemas.microsoft.com/office/powerpoint/2010/main" r:embed="rId1"/>
+              </p:ext>
+            </p:extLst>
+          </p:nvPr>
+        </p:nvPicPr>
+        <p:blipFill>
+          <a:blip r:embed="rId7"/>
+          <a:stretch>
+            <a:fillRect/>
+          </a:stretch>
+        </p:blipFill>
+        <p:spPr>
+          <a:xfrm>
+            <a:off x="11226800" y="5892800"/>
+            <a:ext cx="812800" cy="812800"/>
+          </a:xfrm>
+          <a:prstGeom prst="rect">
+            <a:avLst/>
+          </a:prstGeom>
+        </p:spPr>
+      </p:pic>
+      <p:sp>
+        <p:nvSpPr>
+          <p:cNvPr id="3" name="Right Arrow 2">
+            <a:extLst>
+              <a:ext uri="{FF2B5EF4-FFF2-40B4-BE49-F238E27FC236}">
+                <a16:creationId xmlns:a16="http://schemas.microsoft.com/office/drawing/2014/main" id="{91B91350-135F-2ACA-E5E1-EF2C6EC623DF}"/>
+              </a:ext>
+            </a:extLst>
+          </p:cNvPr>
+          <p:cNvSpPr/>
+          <p:nvPr/>
+        </p:nvSpPr>
+        <p:spPr>
+          <a:xfrm>
+            <a:off x="4574903" y="2354580"/>
+            <a:ext cx="2461566" cy="2148840"/>
+          </a:xfrm>
+          <a:prstGeom prst="rightArrow">
+            <a:avLst>
+              <a:gd name="adj1" fmla="val 34127"/>
+              <a:gd name="adj2" fmla="val 50000"/>
+            </a:avLst>
+          </a:prstGeom>
+        </p:spPr>
+        <p:style>
+          <a:lnRef idx="2">
+            <a:schemeClr val="dk1">
+              <a:shade val="15000"/>
+            </a:schemeClr>
+          </a:lnRef>
+          <a:fillRef idx="1">
+            <a:schemeClr val="dk1"/>
+          </a:fillRef>
+          <a:effectRef idx="0">
+            <a:schemeClr val="dk1"/>
+          </a:effectRef>
+          <a:fontRef idx="minor">
+            <a:schemeClr val="lt1"/>
+          </a:fontRef>
+        </p:style>
+        <p:txBody>
+          <a:bodyPr rtlCol="0" anchor="ctr"/>
+          <a:lstStyle/>
+          <a:p>
+            <a:pPr algn="ctr"/>
+            <a:endParaRPr lang="en-US" b="1" dirty="0"/>
+          </a:p>
+        </p:txBody>
+      </p:sp>
+      <p:pic>
+        <p:nvPicPr>
+          <p:cNvPr id="4" name="Graphic 3" descr="Question Mark with solid fill">
+            <a:extLst>
+              <a:ext uri="{FF2B5EF4-FFF2-40B4-BE49-F238E27FC236}">
+                <a16:creationId xmlns:a16="http://schemas.microsoft.com/office/drawing/2014/main" id="{6FC85977-4AF4-C145-A74E-8DE037BD0184}"/>
+              </a:ext>
+            </a:extLst>
+          </p:cNvPr>
+          <p:cNvPicPr>
+            <a:picLocks noChangeAspect="1"/>
+          </p:cNvPicPr>
+          <p:nvPr/>
+        </p:nvPicPr>
+        <p:blipFill>
+          <a:blip r:embed="rId8">
+            <a:extLst>
+              <a:ext uri="{96DAC541-7B7A-43D3-8B79-37D633B846F1}">
+                <asvg:svgBlip xmlns:asvg="http://schemas.microsoft.com/office/drawing/2016/SVG/main" r:embed="rId9"/>
+              </a:ext>
+            </a:extLst>
+          </a:blip>
+          <a:stretch>
+            <a:fillRect/>
+          </a:stretch>
+        </p:blipFill>
+        <p:spPr>
+          <a:xfrm>
+            <a:off x="7623636" y="2354580"/>
+            <a:ext cx="1969253" cy="2148840"/>
+          </a:xfrm>
+          <a:prstGeom prst="rect">
+            <a:avLst/>
+          </a:prstGeom>
+        </p:spPr>
+      </p:pic>
+    </p:spTree>
+    <p:extLst>
+      <p:ext uri="{BB962C8B-B14F-4D97-AF65-F5344CB8AC3E}">
+        <p14:creationId xmlns:p14="http://schemas.microsoft.com/office/powerpoint/2010/main" val="2660427064"/>
+      </p:ext>
+    </p:extLst>
+  </p:cSld>
+  <p:clrMapOvr>
+    <a:masterClrMapping/>
+  </p:clrMapOvr>
+  <mc:AlternateContent xmlns:mc="http://schemas.openxmlformats.org/markup-compatibility/2006" xmlns:p14="http://schemas.microsoft.com/office/powerpoint/2010/main">
+    <mc:Choice Requires="p14">
+      <p:transition spd="slow" p14:dur="2000" advTm="13770"/>
+    </mc:Choice>
+    <mc:Fallback xmlns="">
+      <p:transition spd="slow" advTm="13770"/>
+    </mc:Fallback>
+  </mc:AlternateContent>
+  <p:timing>
+    <p:tnLst>
+      <p:par>
+        <p:cTn id="1" dur="indefinite" restart="never" nodeType="tmRoot">
+          <p:childTnLst>
+            <p:seq concurrent="1" nextAc="seek">
+              <p:cTn id="2" dur="indefinite" nodeType="mainSeq">
+                <p:childTnLst>
+                  <p:par>
+                    <p:cTn id="3" fill="hold">
+                      <p:stCondLst>
+                        <p:cond delay="indefinite"/>
+                        <p:cond evt="onBegin" delay="0">
+                          <p:tn val="2"/>
+                        </p:cond>
+                      </p:stCondLst>
+                      <p:childTnLst>
+                        <p:par>
+                          <p:cTn id="4" fill="hold">
+                            <p:stCondLst>
+                              <p:cond delay="0"/>
+                            </p:stCondLst>
+                            <p:childTnLst>
+                              <p:par>
+                                <p:cTn id="5" presetID="1" presetClass="mediacall" presetSubtype="0" fill="hold" nodeType="afterEffect">
+                                  <p:stCondLst>
+                                    <p:cond delay="0"/>
+                                  </p:stCondLst>
+                                  <p:childTnLst>
+                                    <p:cmd type="call" cmd="playFrom(0.0)">
+                                      <p:cBhvr>
+                                        <p:cTn id="6" dur="1" fill="hold"/>
+                                        <p:tgtEl>
+                                          <p:spTgt spid="5"/>
+                                        </p:tgtEl>
+                                      </p:cBhvr>
+                                    </p:cmd>
+                                  </p:childTnLst>
+                                </p:cTn>
+                              </p:par>
+                            </p:childTnLst>
+                          </p:cTn>
+                        </p:par>
+                      </p:childTnLst>
+                    </p:cTn>
+                  </p:par>
+                </p:childTnLst>
+              </p:cTn>
+              <p:prevCondLst>
+                <p:cond evt="onPrev" delay="0">
+                  <p:tgtEl>
+                    <p:sldTgt/>
+                  </p:tgtEl>
+                </p:cond>
+              </p:prevCondLst>
+              <p:nextCondLst>
+                <p:cond evt="onNext" delay="0">
+                  <p:tgtEl>
+                    <p:sldTgt/>
+                  </p:tgtEl>
+                </p:cond>
+              </p:nextCondLst>
+            </p:seq>
+            <p:audio isNarration="1">
+              <p:cMediaNode vol="80000" showWhenStopped="0">
+                <p:cTn id="7" fill="hold" display="0">
+                  <p:stCondLst>
+                    <p:cond delay="indefinite"/>
+                  </p:stCondLst>
+                  <p:endCondLst>
+                    <p:cond evt="onStopAudio" delay="0">
+                      <p:tgtEl>
+                        <p:sldTgt/>
+                      </p:tgtEl>
+                    </p:cond>
+                  </p:endCondLst>
+                </p:cTn>
+                <p:tgtEl>
+                  <p:spTgt spid="5"/>
                 </p:tgtEl>
               </p:cMediaNode>
             </p:audio>

--- a/Slides/intro_roadmap.pptx
+++ b/Slides/intro_roadmap.pptx
@@ -5,14 +5,15 @@
     <p:sldMasterId id="2147483648" r:id="rId1"/>
   </p:sldMasterIdLst>
   <p:notesMasterIdLst>
-    <p:notesMasterId r:id="rId7"/>
+    <p:notesMasterId r:id="rId8"/>
   </p:notesMasterIdLst>
   <p:sldIdLst>
     <p:sldId id="257" r:id="rId2"/>
     <p:sldId id="256" r:id="rId3"/>
     <p:sldId id="260" r:id="rId4"/>
     <p:sldId id="259" r:id="rId5"/>
-    <p:sldId id="258" r:id="rId6"/>
+    <p:sldId id="261" r:id="rId6"/>
+    <p:sldId id="258" r:id="rId7"/>
   </p:sldIdLst>
   <p:sldSz cx="12192000" cy="6858000"/>
   <p:notesSz cx="6858000" cy="9144000"/>
@@ -212,7 +213,7 @@
           <a:p>
             <a:fld id="{FCCE3D1E-6578-0E47-AD7D-1CDD30E5FB95}" type="datetimeFigureOut">
               <a:rPr lang="en-US" smtClean="0"/>
-              <a:t>6/19/24</a:t>
+              <a:t>12/16/24</a:t>
             </a:fld>
             <a:endParaRPr lang="en-US"/>
           </a:p>
@@ -1096,6 +1097,142 @@
         <p:cNvPr id="1" name="">
           <a:extLst>
             <a:ext uri="{FF2B5EF4-FFF2-40B4-BE49-F238E27FC236}">
+              <a16:creationId xmlns:a16="http://schemas.microsoft.com/office/drawing/2014/main" id="{1E8AA410-C780-AF08-C149-22DEE29E8EBE}"/>
+            </a:ext>
+          </a:extLst>
+        </p:cNvPr>
+        <p:cNvGrpSpPr/>
+        <p:nvPr/>
+      </p:nvGrpSpPr>
+      <p:grpSpPr>
+        <a:xfrm>
+          <a:off x="0" y="0"/>
+          <a:ext cx="0" cy="0"/>
+          <a:chOff x="0" y="0"/>
+          <a:chExt cx="0" cy="0"/>
+        </a:xfrm>
+      </p:grpSpPr>
+      <p:sp>
+        <p:nvSpPr>
+          <p:cNvPr id="2" name="Slide Image Placeholder 1">
+            <a:extLst>
+              <a:ext uri="{FF2B5EF4-FFF2-40B4-BE49-F238E27FC236}">
+                <a16:creationId xmlns:a16="http://schemas.microsoft.com/office/drawing/2014/main" id="{11776D67-4E70-2462-7023-AE727CCFDB81}"/>
+              </a:ext>
+            </a:extLst>
+          </p:cNvPr>
+          <p:cNvSpPr>
+            <a:spLocks noGrp="1" noRot="1" noChangeAspect="1"/>
+          </p:cNvSpPr>
+          <p:nvPr>
+            <p:ph type="sldImg"/>
+          </p:nvPr>
+        </p:nvSpPr>
+        <p:spPr/>
+      </p:sp>
+      <p:sp>
+        <p:nvSpPr>
+          <p:cNvPr id="3" name="Notes Placeholder 2">
+            <a:extLst>
+              <a:ext uri="{FF2B5EF4-FFF2-40B4-BE49-F238E27FC236}">
+                <a16:creationId xmlns:a16="http://schemas.microsoft.com/office/drawing/2014/main" id="{F3CC339E-5029-327B-D452-7A840C5D19B6}"/>
+              </a:ext>
+            </a:extLst>
+          </p:cNvPr>
+          <p:cNvSpPr>
+            <a:spLocks noGrp="1"/>
+          </p:cNvSpPr>
+          <p:nvPr>
+            <p:ph type="body" idx="1"/>
+          </p:nvPr>
+        </p:nvSpPr>
+        <p:spPr/>
+        <p:txBody>
+          <a:bodyPr/>
+          <a:lstStyle/>
+          <a:p>
+            <a:pPr marL="0" marR="0" lvl="0" indent="0" algn="l" defTabSz="914400" rtl="0" eaLnBrk="1" fontAlgn="auto" latinLnBrk="0" hangingPunct="1">
+              <a:lnSpc>
+                <a:spcPct val="100000"/>
+              </a:lnSpc>
+              <a:spcBef>
+                <a:spcPts val="0"/>
+              </a:spcBef>
+              <a:spcAft>
+                <a:spcPts val="0"/>
+              </a:spcAft>
+              <a:buClrTx/>
+              <a:buSzTx/>
+              <a:buFontTx/>
+              <a:buNone/>
+              <a:tabLst/>
+              <a:defRPr/>
+            </a:pPr>
+            <a:r>
+              <a:rPr lang="en-US" sz="1800" kern="100" dirty="0">
+                <a:effectLst/>
+                <a:latin typeface="Calibri" panose="020F0502020204030204" pitchFamily="34" charset="0"/>
+                <a:ea typeface="Calibri" panose="020F0502020204030204" pitchFamily="34" charset="0"/>
+                <a:cs typeface="Times New Roman" panose="02020603050405020304" pitchFamily="18" charset="0"/>
+              </a:rPr>
+              <a:t>If your guess is right, you’ll hear this sound. [sound]</a:t>
+            </a:r>
+          </a:p>
+          <a:p>
+            <a:endParaRPr lang="en-US" dirty="0"/>
+          </a:p>
+        </p:txBody>
+      </p:sp>
+      <p:sp>
+        <p:nvSpPr>
+          <p:cNvPr id="4" name="Slide Number Placeholder 3">
+            <a:extLst>
+              <a:ext uri="{FF2B5EF4-FFF2-40B4-BE49-F238E27FC236}">
+                <a16:creationId xmlns:a16="http://schemas.microsoft.com/office/drawing/2014/main" id="{2D5DD32C-6A0B-2E7F-CBD2-5363BAFEECD9}"/>
+              </a:ext>
+            </a:extLst>
+          </p:cNvPr>
+          <p:cNvSpPr>
+            <a:spLocks noGrp="1"/>
+          </p:cNvSpPr>
+          <p:nvPr>
+            <p:ph type="sldNum" sz="quarter" idx="5"/>
+          </p:nvPr>
+        </p:nvSpPr>
+        <p:spPr/>
+        <p:txBody>
+          <a:bodyPr/>
+          <a:lstStyle/>
+          <a:p>
+            <a:fld id="{77904A0A-3E14-6C46-8851-9DC8648CFCE0}" type="slidenum">
+              <a:rPr lang="en-US" smtClean="0"/>
+              <a:t>5</a:t>
+            </a:fld>
+            <a:endParaRPr lang="en-US"/>
+          </a:p>
+        </p:txBody>
+      </p:sp>
+    </p:spTree>
+    <p:extLst>
+      <p:ext uri="{BB962C8B-B14F-4D97-AF65-F5344CB8AC3E}">
+        <p14:creationId xmlns:p14="http://schemas.microsoft.com/office/powerpoint/2010/main" val="3775175192"/>
+      </p:ext>
+    </p:extLst>
+  </p:cSld>
+  <p:clrMapOvr>
+    <a:masterClrMapping/>
+  </p:clrMapOvr>
+</p:notes>
+</file>
+
+<file path=ppt/notesSlides/notesSlide5.xml><?xml version="1.0" encoding="utf-8"?>
+<p:notes xmlns:a="http://schemas.openxmlformats.org/drawingml/2006/main" xmlns:r="http://schemas.openxmlformats.org/officeDocument/2006/relationships" xmlns:p="http://schemas.openxmlformats.org/presentationml/2006/main">
+  <p:cSld>
+    <p:spTree>
+      <p:nvGrpSpPr>
+        <p:cNvPr id="1" name="">
+          <a:extLst>
+            <a:ext uri="{FF2B5EF4-FFF2-40B4-BE49-F238E27FC236}">
               <a16:creationId xmlns:a16="http://schemas.microsoft.com/office/drawing/2014/main" id="{41194329-C36B-F548-0AA7-DB1676C95847}"/>
             </a:ext>
           </a:extLst>
@@ -1196,7 +1333,7 @@
           <a:p>
             <a:fld id="{77904A0A-3E14-6C46-8851-9DC8648CFCE0}" type="slidenum">
               <a:rPr lang="en-US" smtClean="0"/>
-              <a:t>5</a:t>
+              <a:t>6</a:t>
             </a:fld>
             <a:endParaRPr lang="en-US"/>
           </a:p>
@@ -1362,7 +1499,7 @@
           <a:p>
             <a:fld id="{BC2E3EC0-9595-BC4D-A36A-A2829A077229}" type="datetimeFigureOut">
               <a:rPr lang="en-US" smtClean="0"/>
-              <a:t>6/19/24</a:t>
+              <a:t>12/16/24</a:t>
             </a:fld>
             <a:endParaRPr lang="en-US"/>
           </a:p>
@@ -1560,7 +1697,7 @@
           <a:p>
             <a:fld id="{BC2E3EC0-9595-BC4D-A36A-A2829A077229}" type="datetimeFigureOut">
               <a:rPr lang="en-US" smtClean="0"/>
-              <a:t>6/19/24</a:t>
+              <a:t>12/16/24</a:t>
             </a:fld>
             <a:endParaRPr lang="en-US"/>
           </a:p>
@@ -1768,7 +1905,7 @@
           <a:p>
             <a:fld id="{BC2E3EC0-9595-BC4D-A36A-A2829A077229}" type="datetimeFigureOut">
               <a:rPr lang="en-US" smtClean="0"/>
-              <a:t>6/19/24</a:t>
+              <a:t>12/16/24</a:t>
             </a:fld>
             <a:endParaRPr lang="en-US"/>
           </a:p>
@@ -1966,7 +2103,7 @@
           <a:p>
             <a:fld id="{BC2E3EC0-9595-BC4D-A36A-A2829A077229}" type="datetimeFigureOut">
               <a:rPr lang="en-US" smtClean="0"/>
-              <a:t>6/19/24</a:t>
+              <a:t>12/16/24</a:t>
             </a:fld>
             <a:endParaRPr lang="en-US"/>
           </a:p>
@@ -2241,7 +2378,7 @@
           <a:p>
             <a:fld id="{BC2E3EC0-9595-BC4D-A36A-A2829A077229}" type="datetimeFigureOut">
               <a:rPr lang="en-US" smtClean="0"/>
-              <a:t>6/19/24</a:t>
+              <a:t>12/16/24</a:t>
             </a:fld>
             <a:endParaRPr lang="en-US"/>
           </a:p>
@@ -2506,7 +2643,7 @@
           <a:p>
             <a:fld id="{BC2E3EC0-9595-BC4D-A36A-A2829A077229}" type="datetimeFigureOut">
               <a:rPr lang="en-US" smtClean="0"/>
-              <a:t>6/19/24</a:t>
+              <a:t>12/16/24</a:t>
             </a:fld>
             <a:endParaRPr lang="en-US"/>
           </a:p>
@@ -2918,7 +3055,7 @@
           <a:p>
             <a:fld id="{BC2E3EC0-9595-BC4D-A36A-A2829A077229}" type="datetimeFigureOut">
               <a:rPr lang="en-US" smtClean="0"/>
-              <a:t>6/19/24</a:t>
+              <a:t>12/16/24</a:t>
             </a:fld>
             <a:endParaRPr lang="en-US"/>
           </a:p>
@@ -3059,7 +3196,7 @@
           <a:p>
             <a:fld id="{BC2E3EC0-9595-BC4D-A36A-A2829A077229}" type="datetimeFigureOut">
               <a:rPr lang="en-US" smtClean="0"/>
-              <a:t>6/19/24</a:t>
+              <a:t>12/16/24</a:t>
             </a:fld>
             <a:endParaRPr lang="en-US"/>
           </a:p>
@@ -3172,7 +3309,7 @@
           <a:p>
             <a:fld id="{BC2E3EC0-9595-BC4D-A36A-A2829A077229}" type="datetimeFigureOut">
               <a:rPr lang="en-US" smtClean="0"/>
-              <a:t>6/19/24</a:t>
+              <a:t>12/16/24</a:t>
             </a:fld>
             <a:endParaRPr lang="en-US"/>
           </a:p>
@@ -3483,7 +3620,7 @@
           <a:p>
             <a:fld id="{BC2E3EC0-9595-BC4D-A36A-A2829A077229}" type="datetimeFigureOut">
               <a:rPr lang="en-US" smtClean="0"/>
-              <a:t>6/19/24</a:t>
+              <a:t>12/16/24</a:t>
             </a:fld>
             <a:endParaRPr lang="en-US"/>
           </a:p>
@@ -3771,7 +3908,7 @@
           <a:p>
             <a:fld id="{BC2E3EC0-9595-BC4D-A36A-A2829A077229}" type="datetimeFigureOut">
               <a:rPr lang="en-US" smtClean="0"/>
-              <a:t>6/19/24</a:t>
+              <a:t>12/16/24</a:t>
             </a:fld>
             <a:endParaRPr lang="en-US"/>
           </a:p>
@@ -4012,7 +4149,7 @@
           <a:p>
             <a:fld id="{BC2E3EC0-9595-BC4D-A36A-A2829A077229}" type="datetimeFigureOut">
               <a:rPr lang="en-US" smtClean="0"/>
-              <a:t>6/19/24</a:t>
+              <a:t>12/16/24</a:t>
             </a:fld>
             <a:endParaRPr lang="en-US"/>
           </a:p>
@@ -6219,6 +6356,357 @@
         <p:cNvPr id="1" name="">
           <a:extLst>
             <a:ext uri="{FF2B5EF4-FFF2-40B4-BE49-F238E27FC236}">
+              <a16:creationId xmlns:a16="http://schemas.microsoft.com/office/drawing/2014/main" id="{8BCC1BA5-D0C2-6032-F684-79B94F1FB6A5}"/>
+            </a:ext>
+          </a:extLst>
+        </p:cNvPr>
+        <p:cNvGrpSpPr/>
+        <p:nvPr/>
+      </p:nvGrpSpPr>
+      <p:grpSpPr>
+        <a:xfrm>
+          <a:off x="0" y="0"/>
+          <a:ext cx="0" cy="0"/>
+          <a:chOff x="0" y="0"/>
+          <a:chExt cx="0" cy="0"/>
+        </a:xfrm>
+      </p:grpSpPr>
+      <p:grpSp>
+        <p:nvGrpSpPr>
+          <p:cNvPr id="6" name="Group 5">
+            <a:extLst>
+              <a:ext uri="{FF2B5EF4-FFF2-40B4-BE49-F238E27FC236}">
+                <a16:creationId xmlns:a16="http://schemas.microsoft.com/office/drawing/2014/main" id="{860D37B6-A026-7102-3138-7767921A3050}"/>
+              </a:ext>
+            </a:extLst>
+          </p:cNvPr>
+          <p:cNvGrpSpPr/>
+          <p:nvPr/>
+        </p:nvGrpSpPr>
+        <p:grpSpPr>
+          <a:xfrm>
+            <a:off x="727607" y="1382487"/>
+            <a:ext cx="3083034" cy="4093027"/>
+            <a:chOff x="1394734" y="928915"/>
+            <a:chExt cx="3083034" cy="4093027"/>
+          </a:xfrm>
+        </p:grpSpPr>
+        <p:pic>
+          <p:nvPicPr>
+            <p:cNvPr id="5" name="Picture 4">
+              <a:extLst>
+                <a:ext uri="{FF2B5EF4-FFF2-40B4-BE49-F238E27FC236}">
+                  <a16:creationId xmlns:a16="http://schemas.microsoft.com/office/drawing/2014/main" id="{BF53830B-1839-2B47-8932-AC3303EE3F35}"/>
+                </a:ext>
+              </a:extLst>
+            </p:cNvPr>
+            <p:cNvPicPr>
+              <a:picLocks noChangeAspect="1"/>
+            </p:cNvPicPr>
+            <p:nvPr/>
+          </p:nvPicPr>
+          <p:blipFill>
+            <a:blip r:embed="rId5"/>
+            <a:stretch>
+              <a:fillRect/>
+            </a:stretch>
+          </p:blipFill>
+          <p:spPr>
+            <a:xfrm>
+              <a:off x="1888671" y="1556657"/>
+              <a:ext cx="2129586" cy="3015343"/>
+            </a:xfrm>
+            <a:prstGeom prst="rect">
+              <a:avLst/>
+            </a:prstGeom>
+          </p:spPr>
+        </p:pic>
+        <p:pic>
+          <p:nvPicPr>
+            <p:cNvPr id="1032" name="Picture 8" descr="Free Frame Ecommerce illustration and picture">
+              <a:extLst>
+                <a:ext uri="{FF2B5EF4-FFF2-40B4-BE49-F238E27FC236}">
+                  <a16:creationId xmlns:a16="http://schemas.microsoft.com/office/drawing/2014/main" id="{DB78EA78-028B-2406-2638-9A467136DFF3}"/>
+                </a:ext>
+              </a:extLst>
+            </p:cNvPr>
+            <p:cNvPicPr>
+              <a:picLocks noChangeAspect="1" noChangeArrowheads="1"/>
+            </p:cNvPicPr>
+            <p:nvPr/>
+          </p:nvPicPr>
+          <p:blipFill>
+            <a:blip r:embed="rId6">
+              <a:extLst>
+                <a:ext uri="{28A0092B-C50C-407E-A947-70E740481C1C}">
+                  <a14:useLocalDpi xmlns:a14="http://schemas.microsoft.com/office/drawing/2010/main" val="0"/>
+                </a:ext>
+              </a:extLst>
+            </a:blip>
+            <a:srcRect/>
+            <a:stretch>
+              <a:fillRect/>
+            </a:stretch>
+          </p:blipFill>
+          <p:spPr bwMode="auto">
+            <a:xfrm>
+              <a:off x="1394734" y="928915"/>
+              <a:ext cx="3083034" cy="4093027"/>
+            </a:xfrm>
+            <a:prstGeom prst="rect">
+              <a:avLst/>
+            </a:prstGeom>
+            <a:noFill/>
+            <a:extLst>
+              <a:ext uri="{909E8E84-426E-40DD-AFC4-6F175D3DCCD1}">
+                <a14:hiddenFill xmlns:a14="http://schemas.microsoft.com/office/drawing/2010/main">
+                  <a:solidFill>
+                    <a:srgbClr val="FFFFFF"/>
+                  </a:solidFill>
+                </a14:hiddenFill>
+              </a:ext>
+            </a:extLst>
+          </p:spPr>
+        </p:pic>
+      </p:grpSp>
+      <p:sp>
+        <p:nvSpPr>
+          <p:cNvPr id="2" name="Right Arrow 1">
+            <a:extLst>
+              <a:ext uri="{FF2B5EF4-FFF2-40B4-BE49-F238E27FC236}">
+                <a16:creationId xmlns:a16="http://schemas.microsoft.com/office/drawing/2014/main" id="{B9BF63A4-FB10-04A8-BEAC-F91F5DF369ED}"/>
+              </a:ext>
+            </a:extLst>
+          </p:cNvPr>
+          <p:cNvSpPr/>
+          <p:nvPr/>
+        </p:nvSpPr>
+        <p:spPr>
+          <a:xfrm>
+            <a:off x="4574903" y="2354580"/>
+            <a:ext cx="2461566" cy="2148840"/>
+          </a:xfrm>
+          <a:prstGeom prst="rightArrow">
+            <a:avLst>
+              <a:gd name="adj1" fmla="val 34127"/>
+              <a:gd name="adj2" fmla="val 50000"/>
+            </a:avLst>
+          </a:prstGeom>
+        </p:spPr>
+        <p:style>
+          <a:lnRef idx="2">
+            <a:schemeClr val="dk1">
+              <a:shade val="15000"/>
+            </a:schemeClr>
+          </a:lnRef>
+          <a:fillRef idx="1">
+            <a:schemeClr val="dk1"/>
+          </a:fillRef>
+          <a:effectRef idx="0">
+            <a:schemeClr val="dk1"/>
+          </a:effectRef>
+          <a:fontRef idx="minor">
+            <a:schemeClr val="lt1"/>
+          </a:fontRef>
+        </p:style>
+        <p:txBody>
+          <a:bodyPr rtlCol="0" anchor="ctr"/>
+          <a:lstStyle/>
+          <a:p>
+            <a:pPr algn="ctr"/>
+            <a:endParaRPr lang="en-US" b="1" dirty="0"/>
+          </a:p>
+        </p:txBody>
+      </p:sp>
+      <p:pic>
+        <p:nvPicPr>
+          <p:cNvPr id="3" name="Graphic 2" descr="Question Mark with solid fill">
+            <a:extLst>
+              <a:ext uri="{FF2B5EF4-FFF2-40B4-BE49-F238E27FC236}">
+                <a16:creationId xmlns:a16="http://schemas.microsoft.com/office/drawing/2014/main" id="{7013B703-0D45-B92D-6690-B555942ADCB0}"/>
+              </a:ext>
+            </a:extLst>
+          </p:cNvPr>
+          <p:cNvPicPr>
+            <a:picLocks noChangeAspect="1"/>
+          </p:cNvPicPr>
+          <p:nvPr/>
+        </p:nvPicPr>
+        <p:blipFill>
+          <a:blip r:embed="rId7">
+            <a:extLst>
+              <a:ext uri="{96DAC541-7B7A-43D3-8B79-37D633B846F1}">
+                <asvg:svgBlip xmlns:asvg="http://schemas.microsoft.com/office/drawing/2016/SVG/main" r:embed="rId8"/>
+              </a:ext>
+            </a:extLst>
+          </a:blip>
+          <a:stretch>
+            <a:fillRect/>
+          </a:stretch>
+        </p:blipFill>
+        <p:spPr>
+          <a:xfrm>
+            <a:off x="7623636" y="2354580"/>
+            <a:ext cx="1969253" cy="2148840"/>
+          </a:xfrm>
+          <a:prstGeom prst="rect">
+            <a:avLst/>
+          </a:prstGeom>
+        </p:spPr>
+      </p:pic>
+      <p:pic>
+        <p:nvPicPr>
+          <p:cNvPr id="13" name="Audio 12">
+            <a:extLst>
+              <a:ext uri="{FF2B5EF4-FFF2-40B4-BE49-F238E27FC236}">
+                <a16:creationId xmlns:a16="http://schemas.microsoft.com/office/drawing/2014/main" id="{7FB8A24A-CDC3-6C1B-11DE-BE23032DE7DF}"/>
+              </a:ext>
+            </a:extLst>
+          </p:cNvPr>
+          <p:cNvPicPr>
+            <a:picLocks noChangeAspect="1"/>
+          </p:cNvPicPr>
+          <p:nvPr>
+            <a:audioFile r:link="rId2"/>
+            <p:extLst>
+              <p:ext uri="{DAA4B4D4-6D71-4841-9C94-3DE7FCFB9230}">
+                <p14:media xmlns:p14="http://schemas.microsoft.com/office/powerpoint/2010/main" r:embed="rId1"/>
+              </p:ext>
+            </p:extLst>
+          </p:nvPr>
+        </p:nvPicPr>
+        <p:blipFill>
+          <a:blip r:embed="rId9"/>
+          <a:stretch>
+            <a:fillRect/>
+          </a:stretch>
+        </p:blipFill>
+        <p:spPr>
+          <a:xfrm>
+            <a:off x="11226800" y="5892800"/>
+            <a:ext cx="812800" cy="812800"/>
+          </a:xfrm>
+          <a:prstGeom prst="rect">
+            <a:avLst/>
+          </a:prstGeom>
+        </p:spPr>
+      </p:pic>
+    </p:spTree>
+    <p:extLst>
+      <p:ext uri="{BB962C8B-B14F-4D97-AF65-F5344CB8AC3E}">
+        <p14:creationId xmlns:p14="http://schemas.microsoft.com/office/powerpoint/2010/main" val="1461925751"/>
+      </p:ext>
+    </p:extLst>
+  </p:cSld>
+  <p:clrMapOvr>
+    <a:masterClrMapping/>
+  </p:clrMapOvr>
+  <mc:AlternateContent xmlns:mc="http://schemas.openxmlformats.org/markup-compatibility/2006" xmlns:p14="http://schemas.microsoft.com/office/powerpoint/2010/main">
+    <mc:Choice Requires="p14">
+      <p:transition spd="slow" p14:dur="2000" advTm="9135"/>
+    </mc:Choice>
+    <mc:Fallback xmlns="">
+      <p:transition spd="slow" advTm="9135"/>
+    </mc:Fallback>
+  </mc:AlternateContent>
+  <p:timing>
+    <p:tnLst>
+      <p:par>
+        <p:cTn id="1" dur="indefinite" restart="never" nodeType="tmRoot">
+          <p:childTnLst>
+            <p:seq concurrent="1" nextAc="seek">
+              <p:cTn id="2" dur="indefinite" nodeType="mainSeq">
+                <p:childTnLst>
+                  <p:par>
+                    <p:cTn id="3" fill="hold">
+                      <p:stCondLst>
+                        <p:cond delay="indefinite"/>
+                        <p:cond evt="onBegin" delay="0">
+                          <p:tn val="2"/>
+                        </p:cond>
+                      </p:stCondLst>
+                      <p:childTnLst>
+                        <p:par>
+                          <p:cTn id="4" fill="hold">
+                            <p:stCondLst>
+                              <p:cond delay="0"/>
+                            </p:stCondLst>
+                            <p:childTnLst>
+                              <p:par>
+                                <p:cTn id="5" presetID="1" presetClass="mediacall" presetSubtype="0" fill="hold" nodeType="afterEffect">
+                                  <p:stCondLst>
+                                    <p:cond delay="0"/>
+                                  </p:stCondLst>
+                                  <p:childTnLst>
+                                    <p:cmd type="call" cmd="playFrom(0.0)">
+                                      <p:cBhvr>
+                                        <p:cTn id="6" dur="1" fill="hold"/>
+                                        <p:tgtEl>
+                                          <p:spTgt spid="13"/>
+                                        </p:tgtEl>
+                                      </p:cBhvr>
+                                    </p:cmd>
+                                  </p:childTnLst>
+                                </p:cTn>
+                              </p:par>
+                            </p:childTnLst>
+                          </p:cTn>
+                        </p:par>
+                      </p:childTnLst>
+                    </p:cTn>
+                  </p:par>
+                </p:childTnLst>
+              </p:cTn>
+              <p:prevCondLst>
+                <p:cond evt="onPrev" delay="0">
+                  <p:tgtEl>
+                    <p:sldTgt/>
+                  </p:tgtEl>
+                </p:cond>
+              </p:prevCondLst>
+              <p:nextCondLst>
+                <p:cond evt="onNext" delay="0">
+                  <p:tgtEl>
+                    <p:sldTgt/>
+                  </p:tgtEl>
+                </p:cond>
+              </p:nextCondLst>
+            </p:seq>
+            <p:audio isNarration="1">
+              <p:cMediaNode vol="80000" showWhenStopped="0">
+                <p:cTn id="7" fill="hold" display="0">
+                  <p:stCondLst>
+                    <p:cond delay="indefinite"/>
+                  </p:stCondLst>
+                  <p:endCondLst>
+                    <p:cond evt="onStopAudio" delay="0">
+                      <p:tgtEl>
+                        <p:sldTgt/>
+                      </p:tgtEl>
+                    </p:cond>
+                  </p:endCondLst>
+                </p:cTn>
+                <p:tgtEl>
+                  <p:spTgt spid="13"/>
+                </p:tgtEl>
+              </p:cMediaNode>
+            </p:audio>
+          </p:childTnLst>
+        </p:cTn>
+      </p:par>
+    </p:tnLst>
+  </p:timing>
+</p:sld>
+</file>
+
+<file path=ppt/slides/slide6.xml><?xml version="1.0" encoding="utf-8"?>
+<p:sld xmlns:a="http://schemas.openxmlformats.org/drawingml/2006/main" xmlns:r="http://schemas.openxmlformats.org/officeDocument/2006/relationships" xmlns:p="http://schemas.openxmlformats.org/presentationml/2006/main">
+  <p:cSld>
+    <p:spTree>
+      <p:nvGrpSpPr>
+        <p:cNvPr id="1" name="">
+          <a:extLst>
+            <a:ext uri="{FF2B5EF4-FFF2-40B4-BE49-F238E27FC236}">
               <a16:creationId xmlns:a16="http://schemas.microsoft.com/office/drawing/2014/main" id="{5B2BA168-7785-C398-A2F7-6BCC51E3D8C8}"/>
             </a:ext>
           </a:extLst>
@@ -6381,43 +6869,6 @@
           </p:spPr>
         </p:pic>
       </p:grpSp>
-      <p:pic>
-        <p:nvPicPr>
-          <p:cNvPr id="5" name="Audio 4">
-            <a:extLst>
-              <a:ext uri="{FF2B5EF4-FFF2-40B4-BE49-F238E27FC236}">
-                <a16:creationId xmlns:a16="http://schemas.microsoft.com/office/drawing/2014/main" id="{53FDEEFF-B7BD-59F0-BEC5-F4F2935BCAC0}"/>
-              </a:ext>
-            </a:extLst>
-          </p:cNvPr>
-          <p:cNvPicPr>
-            <a:picLocks noChangeAspect="1"/>
-          </p:cNvPicPr>
-          <p:nvPr>
-            <a:audioFile r:link="rId2"/>
-            <p:extLst>
-              <p:ext uri="{DAA4B4D4-6D71-4841-9C94-3DE7FCFB9230}">
-                <p14:media xmlns:p14="http://schemas.microsoft.com/office/powerpoint/2010/main" r:embed="rId1"/>
-              </p:ext>
-            </p:extLst>
-          </p:nvPr>
-        </p:nvPicPr>
-        <p:blipFill>
-          <a:blip r:embed="rId7"/>
-          <a:stretch>
-            <a:fillRect/>
-          </a:stretch>
-        </p:blipFill>
-        <p:spPr>
-          <a:xfrm>
-            <a:off x="11226800" y="5892800"/>
-            <a:ext cx="812800" cy="812800"/>
-          </a:xfrm>
-          <a:prstGeom prst="rect">
-            <a:avLst/>
-          </a:prstGeom>
-        </p:spPr>
-      </p:pic>
       <p:sp>
         <p:nvSpPr>
           <p:cNvPr id="3" name="Right Arrow 2">
@@ -6482,10 +6933,10 @@
           <p:nvPr/>
         </p:nvPicPr>
         <p:blipFill>
-          <a:blip r:embed="rId8">
+          <a:blip r:embed="rId7">
             <a:extLst>
               <a:ext uri="{96DAC541-7B7A-43D3-8B79-37D633B846F1}">
-                <asvg:svgBlip xmlns:asvg="http://schemas.microsoft.com/office/drawing/2016/SVG/main" r:embed="rId9"/>
+                <asvg:svgBlip xmlns:asvg="http://schemas.microsoft.com/office/drawing/2016/SVG/main" r:embed="rId8"/>
               </a:ext>
             </a:extLst>
           </a:blip>
@@ -6497,6 +6948,43 @@
           <a:xfrm>
             <a:off x="7623636" y="2354580"/>
             <a:ext cx="1969253" cy="2148840"/>
+          </a:xfrm>
+          <a:prstGeom prst="rect">
+            <a:avLst/>
+          </a:prstGeom>
+        </p:spPr>
+      </p:pic>
+      <p:pic>
+        <p:nvPicPr>
+          <p:cNvPr id="21" name="Audio 20">
+            <a:extLst>
+              <a:ext uri="{FF2B5EF4-FFF2-40B4-BE49-F238E27FC236}">
+                <a16:creationId xmlns:a16="http://schemas.microsoft.com/office/drawing/2014/main" id="{5A3F84A6-A9BB-6B6D-3638-155CD35478B4}"/>
+              </a:ext>
+            </a:extLst>
+          </p:cNvPr>
+          <p:cNvPicPr>
+            <a:picLocks noChangeAspect="1"/>
+          </p:cNvPicPr>
+          <p:nvPr>
+            <a:audioFile r:link="rId2"/>
+            <p:extLst>
+              <p:ext uri="{DAA4B4D4-6D71-4841-9C94-3DE7FCFB9230}">
+                <p14:media xmlns:p14="http://schemas.microsoft.com/office/powerpoint/2010/main" r:embed="rId1"/>
+              </p:ext>
+            </p:extLst>
+          </p:nvPr>
+        </p:nvPicPr>
+        <p:blipFill>
+          <a:blip r:embed="rId9"/>
+          <a:stretch>
+            <a:fillRect/>
+          </a:stretch>
+        </p:blipFill>
+        <p:spPr>
+          <a:xfrm>
+            <a:off x="11226800" y="5892800"/>
+            <a:ext cx="812800" cy="812800"/>
           </a:xfrm>
           <a:prstGeom prst="rect">
             <a:avLst/>
@@ -6513,12 +7001,12 @@
   <p:clrMapOvr>
     <a:masterClrMapping/>
   </p:clrMapOvr>
-  <mc:AlternateContent xmlns:mc="http://schemas.openxmlformats.org/markup-compatibility/2006" xmlns:p14="http://schemas.microsoft.com/office/powerpoint/2010/main">
-    <mc:Choice Requires="p14">
-      <p:transition spd="slow" p14:dur="2000" advTm="13770"/>
+  <mc:AlternateContent xmlns:mc="http://schemas.openxmlformats.org/markup-compatibility/2006">
+    <mc:Choice xmlns:p14="http://schemas.microsoft.com/office/powerpoint/2010/main" Requires="p14">
+      <p:transition spd="slow" p14:dur="2000" advTm="4549"/>
     </mc:Choice>
-    <mc:Fallback xmlns="">
-      <p:transition spd="slow" advTm="13770"/>
+    <mc:Fallback>
+      <p:transition spd="slow" advTm="4549"/>
     </mc:Fallback>
   </mc:AlternateContent>
   <p:timing>
@@ -6554,7 +7042,7 @@
                                       <p:cBhvr>
                                         <p:cTn id="6" dur="1" fill="hold"/>
                                         <p:tgtEl>
-                                          <p:spTgt spid="5"/>
+                                          <p:spTgt spid="21"/>
                                         </p:tgtEl>
                                       </p:cBhvr>
                                     </p:cmd>
@@ -6599,7 +7087,7 @@
                   </p:endCondLst>
                 </p:cTn>
                 <p:tgtEl>
-                  <p:spTgt spid="5"/>
+                  <p:spTgt spid="21"/>
                 </p:tgtEl>
               </p:cMediaNode>
             </p:audio>
